--- a/thesis/image/3-1_structure.pptx
+++ b/thesis/image/3-1_structure.pptx
@@ -5,7 +5,7 @@
     <p:sldMasterId id="2147483648" r:id="rId1"/>
   </p:sldMasterIdLst>
   <p:sldIdLst>
-    <p:sldId id="256" r:id="rId2"/>
+    <p:sldId id="257" r:id="rId2"/>
   </p:sldIdLst>
   <p:sldSz cx="12192000" cy="6858000"/>
   <p:notesSz cx="6858000" cy="9144000"/>
@@ -261,7 +261,7 @@
           <a:p>
             <a:fld id="{33EF37D4-A91C-7A49-A8BE-B289535E0B5A}" type="datetimeFigureOut">
               <a:rPr kumimoji="1" lang="zh-SG" altLang="en-US" smtClean="0"/>
-              <a:t>08/05/25</a:t>
+              <a:t>20/5/2025</a:t>
             </a:fld>
             <a:endParaRPr kumimoji="1" lang="zh-SG" altLang="en-US"/>
           </a:p>
@@ -461,7 +461,7 @@
           <a:p>
             <a:fld id="{33EF37D4-A91C-7A49-A8BE-B289535E0B5A}" type="datetimeFigureOut">
               <a:rPr kumimoji="1" lang="zh-SG" altLang="en-US" smtClean="0"/>
-              <a:t>08/05/25</a:t>
+              <a:t>20/5/2025</a:t>
             </a:fld>
             <a:endParaRPr kumimoji="1" lang="zh-SG" altLang="en-US"/>
           </a:p>
@@ -671,7 +671,7 @@
           <a:p>
             <a:fld id="{33EF37D4-A91C-7A49-A8BE-B289535E0B5A}" type="datetimeFigureOut">
               <a:rPr kumimoji="1" lang="zh-SG" altLang="en-US" smtClean="0"/>
-              <a:t>08/05/25</a:t>
+              <a:t>20/5/2025</a:t>
             </a:fld>
             <a:endParaRPr kumimoji="1" lang="zh-SG" altLang="en-US"/>
           </a:p>
@@ -871,7 +871,7 @@
           <a:p>
             <a:fld id="{33EF37D4-A91C-7A49-A8BE-B289535E0B5A}" type="datetimeFigureOut">
               <a:rPr kumimoji="1" lang="zh-SG" altLang="en-US" smtClean="0"/>
-              <a:t>08/05/25</a:t>
+              <a:t>20/5/2025</a:t>
             </a:fld>
             <a:endParaRPr kumimoji="1" lang="zh-SG" altLang="en-US"/>
           </a:p>
@@ -1147,7 +1147,7 @@
           <a:p>
             <a:fld id="{33EF37D4-A91C-7A49-A8BE-B289535E0B5A}" type="datetimeFigureOut">
               <a:rPr kumimoji="1" lang="zh-SG" altLang="en-US" smtClean="0"/>
-              <a:t>08/05/25</a:t>
+              <a:t>20/5/2025</a:t>
             </a:fld>
             <a:endParaRPr kumimoji="1" lang="zh-SG" altLang="en-US"/>
           </a:p>
@@ -1415,7 +1415,7 @@
           <a:p>
             <a:fld id="{33EF37D4-A91C-7A49-A8BE-B289535E0B5A}" type="datetimeFigureOut">
               <a:rPr kumimoji="1" lang="zh-SG" altLang="en-US" smtClean="0"/>
-              <a:t>08/05/25</a:t>
+              <a:t>20/5/2025</a:t>
             </a:fld>
             <a:endParaRPr kumimoji="1" lang="zh-SG" altLang="en-US"/>
           </a:p>
@@ -1830,7 +1830,7 @@
           <a:p>
             <a:fld id="{33EF37D4-A91C-7A49-A8BE-B289535E0B5A}" type="datetimeFigureOut">
               <a:rPr kumimoji="1" lang="zh-SG" altLang="en-US" smtClean="0"/>
-              <a:t>08/05/25</a:t>
+              <a:t>20/5/2025</a:t>
             </a:fld>
             <a:endParaRPr kumimoji="1" lang="zh-SG" altLang="en-US"/>
           </a:p>
@@ -1972,7 +1972,7 @@
           <a:p>
             <a:fld id="{33EF37D4-A91C-7A49-A8BE-B289535E0B5A}" type="datetimeFigureOut">
               <a:rPr kumimoji="1" lang="zh-SG" altLang="en-US" smtClean="0"/>
-              <a:t>08/05/25</a:t>
+              <a:t>20/5/2025</a:t>
             </a:fld>
             <a:endParaRPr kumimoji="1" lang="zh-SG" altLang="en-US"/>
           </a:p>
@@ -2085,7 +2085,7 @@
           <a:p>
             <a:fld id="{33EF37D4-A91C-7A49-A8BE-B289535E0B5A}" type="datetimeFigureOut">
               <a:rPr kumimoji="1" lang="zh-SG" altLang="en-US" smtClean="0"/>
-              <a:t>08/05/25</a:t>
+              <a:t>20/5/2025</a:t>
             </a:fld>
             <a:endParaRPr kumimoji="1" lang="zh-SG" altLang="en-US"/>
           </a:p>
@@ -2398,7 +2398,7 @@
           <a:p>
             <a:fld id="{33EF37D4-A91C-7A49-A8BE-B289535E0B5A}" type="datetimeFigureOut">
               <a:rPr kumimoji="1" lang="zh-SG" altLang="en-US" smtClean="0"/>
-              <a:t>08/05/25</a:t>
+              <a:t>20/5/2025</a:t>
             </a:fld>
             <a:endParaRPr kumimoji="1" lang="zh-SG" altLang="en-US"/>
           </a:p>
@@ -2687,7 +2687,7 @@
           <a:p>
             <a:fld id="{33EF37D4-A91C-7A49-A8BE-B289535E0B5A}" type="datetimeFigureOut">
               <a:rPr kumimoji="1" lang="zh-SG" altLang="en-US" smtClean="0"/>
-              <a:t>08/05/25</a:t>
+              <a:t>20/5/2025</a:t>
             </a:fld>
             <a:endParaRPr kumimoji="1" lang="zh-SG" altLang="en-US"/>
           </a:p>
@@ -2996,7 +2996,7 @@
           <a:p>
             <a:fld id="{33EF37D4-A91C-7A49-A8BE-B289535E0B5A}" type="datetimeFigureOut">
               <a:rPr kumimoji="1" lang="zh-SG" altLang="en-US" smtClean="0"/>
-              <a:t>08/05/25</a:t>
+              <a:t>20/5/2025</a:t>
             </a:fld>
             <a:endParaRPr kumimoji="1" lang="zh-SG" altLang="en-US"/>
           </a:p>
@@ -3401,7 +3401,13 @@
   <p:cSld>
     <p:spTree>
       <p:nvGrpSpPr>
-        <p:cNvPr id="1" name=""/>
+        <p:cNvPr id="1" name="">
+          <a:extLst>
+            <a:ext uri="{FF2B5EF4-FFF2-40B4-BE49-F238E27FC236}">
+              <a16:creationId xmlns:a16="http://schemas.microsoft.com/office/drawing/2014/main" id="{8EFF544B-9221-6FDC-3FE2-48935371F92F}"/>
+            </a:ext>
+          </a:extLst>
+        </p:cNvPr>
         <p:cNvGrpSpPr/>
         <p:nvPr/>
       </p:nvGrpSpPr>
@@ -3418,7 +3424,7 @@
           <p:cNvPr id="4" name="think-cell data - do not delete" hidden="1">
             <a:extLst>
               <a:ext uri="{FF2B5EF4-FFF2-40B4-BE49-F238E27FC236}">
-                <a16:creationId xmlns:a16="http://schemas.microsoft.com/office/drawing/2014/main" id="{2B048592-97A2-DDD8-54CF-0E4CCECB1B07}"/>
+                <a16:creationId xmlns:a16="http://schemas.microsoft.com/office/drawing/2014/main" id="{F98E134F-4286-9F2E-99BB-72E242A1A323}"/>
               </a:ext>
             </a:extLst>
           </p:cNvPr>
@@ -3429,11 +3435,6 @@
             <p:custDataLst>
               <p:tags r:id="rId1"/>
             </p:custDataLst>
-            <p:extLst>
-              <p:ext uri="{D42A27DB-BD31-4B8C-83A1-F6EECF244321}">
-                <p14:modId xmlns:p14="http://schemas.microsoft.com/office/powerpoint/2010/main" val="1030291026"/>
-              </p:ext>
-            </p:extLst>
           </p:nvPr>
         </p:nvGraphicFramePr>
         <p:xfrm>
@@ -3453,7 +3454,13 @@
                   <p:embed/>
                   <p:pic>
                     <p:nvPicPr>
-                      <p:cNvPr id="0" name=""/>
+                      <p:cNvPr id="4" name="think-cell data - do not delete" hidden="1">
+                        <a:extLst>
+                          <a:ext uri="{FF2B5EF4-FFF2-40B4-BE49-F238E27FC236}">
+                            <a16:creationId xmlns:a16="http://schemas.microsoft.com/office/drawing/2014/main" id="{2B048592-97A2-DDD8-54CF-0E4CCECB1B07}"/>
+                          </a:ext>
+                        </a:extLst>
+                      </p:cNvPr>
                       <p:cNvPicPr/>
                       <p:nvPr/>
                     </p:nvPicPr>
@@ -3484,7 +3491,7 @@
           <p:cNvPr id="17" name="组合 16">
             <a:extLst>
               <a:ext uri="{FF2B5EF4-FFF2-40B4-BE49-F238E27FC236}">
-                <a16:creationId xmlns:a16="http://schemas.microsoft.com/office/drawing/2014/main" id="{29D893C8-39C1-BA2E-E6E7-D439F6B809B4}"/>
+                <a16:creationId xmlns:a16="http://schemas.microsoft.com/office/drawing/2014/main" id="{2A979033-8BCE-9869-3FCB-799F2851A3EB}"/>
               </a:ext>
             </a:extLst>
           </p:cNvPr>
@@ -3493,10 +3500,10 @@
         </p:nvGrpSpPr>
         <p:grpSpPr>
           <a:xfrm>
-            <a:off x="8634628" y="3545137"/>
-            <a:ext cx="2977484" cy="3086123"/>
-            <a:chOff x="1828801" y="1438382"/>
-            <a:chExt cx="2938408" cy="2946156"/>
+            <a:off x="6830421" y="4019044"/>
+            <a:ext cx="4306094" cy="2625772"/>
+            <a:chOff x="1828801" y="1298442"/>
+            <a:chExt cx="2938408" cy="3323626"/>
           </a:xfrm>
         </p:grpSpPr>
         <p:sp>
@@ -3504,7 +3511,7 @@
             <p:cNvPr id="5" name="圆角矩形 4">
               <a:extLst>
                 <a:ext uri="{FF2B5EF4-FFF2-40B4-BE49-F238E27FC236}">
-                  <a16:creationId xmlns:a16="http://schemas.microsoft.com/office/drawing/2014/main" id="{AF9CC5BD-DC45-307A-E3BA-65923EAABA7E}"/>
+                  <a16:creationId xmlns:a16="http://schemas.microsoft.com/office/drawing/2014/main" id="{AFBDE36F-EF53-D11D-5B34-1E6DF5ABACEA}"/>
                 </a:ext>
               </a:extLst>
             </p:cNvPr>
@@ -3513,8 +3520,8 @@
           </p:nvSpPr>
           <p:spPr>
             <a:xfrm>
-              <a:off x="1828801" y="1438382"/>
-              <a:ext cx="2938408" cy="2946156"/>
+              <a:off x="1828801" y="1298442"/>
+              <a:ext cx="2938408" cy="3323626"/>
             </a:xfrm>
             <a:prstGeom prst="roundRect">
               <a:avLst/>
@@ -3547,7 +3554,7 @@
             <a:lstStyle/>
             <a:p>
               <a:pPr algn="ctr"/>
-              <a:endParaRPr kumimoji="1" lang="zh-SG" altLang="en-US"/>
+              <a:endParaRPr kumimoji="1" lang="zh-SG" altLang="en-US" sz="2400"/>
             </a:p>
           </p:txBody>
         </p:sp>
@@ -3556,7 +3563,7 @@
             <p:cNvPr id="6" name="文本框 5">
               <a:extLst>
                 <a:ext uri="{FF2B5EF4-FFF2-40B4-BE49-F238E27FC236}">
-                  <a16:creationId xmlns:a16="http://schemas.microsoft.com/office/drawing/2014/main" id="{4335895F-1F3D-CE0D-598F-4493BBE58BF3}"/>
+                  <a16:creationId xmlns:a16="http://schemas.microsoft.com/office/drawing/2014/main" id="{B7D69F0B-CBE5-EB10-3B6D-DB578B7E7FD6}"/>
                 </a:ext>
               </a:extLst>
             </p:cNvPr>
@@ -3565,8 +3572,8 @@
           </p:nvSpPr>
           <p:spPr>
             <a:xfrm>
-              <a:off x="2513175" y="1521582"/>
-              <a:ext cx="1598515" cy="369332"/>
+              <a:off x="2676771" y="1365976"/>
+              <a:ext cx="1319875" cy="536805"/>
             </a:xfrm>
             <a:prstGeom prst="rect">
               <a:avLst/>
@@ -3580,7 +3587,7 @@
             <a:lstStyle/>
             <a:p>
               <a:r>
-                <a:rPr kumimoji="1" lang="zh-SG" altLang="en-US" b="1" dirty="0">
+                <a:rPr kumimoji="1" lang="zh-SG" altLang="en-US" sz="2000" b="1" dirty="0">
                   <a:latin typeface="SimHei" panose="02010609060101010101" pitchFamily="49" charset="-122"/>
                   <a:ea typeface="SimHei" panose="02010609060101010101" pitchFamily="49" charset="-122"/>
                 </a:rPr>
@@ -3594,7 +3601,7 @@
             <p:cNvPr id="11" name="组合 10">
               <a:extLst>
                 <a:ext uri="{FF2B5EF4-FFF2-40B4-BE49-F238E27FC236}">
-                  <a16:creationId xmlns:a16="http://schemas.microsoft.com/office/drawing/2014/main" id="{F7B3FD46-35C4-5745-7F26-486A3116C8D9}"/>
+                  <a16:creationId xmlns:a16="http://schemas.microsoft.com/office/drawing/2014/main" id="{EC1BC834-F3C5-1500-9FAC-9A7793E8BB32}"/>
                 </a:ext>
               </a:extLst>
             </p:cNvPr>
@@ -3603,10 +3610,10 @@
           </p:nvGrpSpPr>
           <p:grpSpPr>
             <a:xfrm>
-              <a:off x="2098568" y="1967857"/>
-              <a:ext cx="1137444" cy="2199076"/>
-              <a:chOff x="2098568" y="1967857"/>
-              <a:chExt cx="1137444" cy="2199076"/>
+              <a:off x="1957062" y="2040655"/>
+              <a:ext cx="1256133" cy="2126278"/>
+              <a:chOff x="1957062" y="2040655"/>
+              <a:chExt cx="1256133" cy="2126278"/>
             </a:xfrm>
           </p:grpSpPr>
           <p:sp>
@@ -3614,7 +3621,7 @@
               <p:cNvPr id="7" name="圆角矩形 6">
                 <a:extLst>
                   <a:ext uri="{FF2B5EF4-FFF2-40B4-BE49-F238E27FC236}">
-                    <a16:creationId xmlns:a16="http://schemas.microsoft.com/office/drawing/2014/main" id="{A35754F3-8F50-1897-4E7E-BA3607A3D824}"/>
+                    <a16:creationId xmlns:a16="http://schemas.microsoft.com/office/drawing/2014/main" id="{8FC7D0C1-6930-B108-7F9F-28234EDEAD92}"/>
                   </a:ext>
                 </a:extLst>
               </p:cNvPr>
@@ -3623,8 +3630,8 @@
             </p:nvSpPr>
             <p:spPr>
               <a:xfrm>
-                <a:off x="2115110" y="1967857"/>
-                <a:ext cx="1120902" cy="2199076"/>
+                <a:off x="1965627" y="2040655"/>
+                <a:ext cx="1247568" cy="2126278"/>
               </a:xfrm>
               <a:prstGeom prst="roundRect">
                 <a:avLst/>
@@ -3657,7 +3664,7 @@
               <a:lstStyle/>
               <a:p>
                 <a:pPr algn="ctr"/>
-                <a:endParaRPr kumimoji="1" lang="zh-SG" altLang="en-US"/>
+                <a:endParaRPr kumimoji="1" lang="zh-SG" altLang="en-US" sz="2400"/>
               </a:p>
             </p:txBody>
           </p:sp>
@@ -3666,7 +3673,7 @@
               <p:cNvPr id="8" name="文本框 7">
                 <a:extLst>
                   <a:ext uri="{FF2B5EF4-FFF2-40B4-BE49-F238E27FC236}">
-                    <a16:creationId xmlns:a16="http://schemas.microsoft.com/office/drawing/2014/main" id="{8FF4BDA1-F22D-3BA9-957F-DEDA17695D27}"/>
+                    <a16:creationId xmlns:a16="http://schemas.microsoft.com/office/drawing/2014/main" id="{0561D601-1904-0610-FEF9-68F198EC7454}"/>
                   </a:ext>
                 </a:extLst>
               </p:cNvPr>
@@ -3675,8 +3682,8 @@
             </p:nvSpPr>
             <p:spPr>
               <a:xfrm>
-                <a:off x="2098568" y="2042626"/>
-                <a:ext cx="1090996" cy="499490"/>
+                <a:off x="2005635" y="2134484"/>
+                <a:ext cx="1090996" cy="784559"/>
               </a:xfrm>
               <a:prstGeom prst="rect">
                 <a:avLst/>
@@ -3691,19 +3698,19 @@
               <a:p>
                 <a:pPr algn="ctr"/>
                 <a:r>
-                  <a:rPr kumimoji="1" lang="zh-SG" altLang="en-US" sz="1400" b="1" dirty="0">
+                  <a:rPr kumimoji="1" lang="zh-SG" altLang="en-US" sz="1600" b="1" dirty="0">
                     <a:latin typeface="KaiTi" panose="02010609060101010101" pitchFamily="49" charset="-122"/>
                     <a:ea typeface="KaiTi" panose="02010609060101010101" pitchFamily="49" charset="-122"/>
                   </a:rPr>
                   <a:t>正反馈调节</a:t>
                 </a:r>
-                <a:endParaRPr kumimoji="1" lang="en-US" altLang="zh-SG" sz="1400" b="1" dirty="0">
+                <a:endParaRPr kumimoji="1" lang="en-US" altLang="zh-SG" sz="1600" b="1" dirty="0">
                   <a:latin typeface="KaiTi" panose="02010609060101010101" pitchFamily="49" charset="-122"/>
                   <a:ea typeface="KaiTi" panose="02010609060101010101" pitchFamily="49" charset="-122"/>
                 </a:endParaRPr>
               </a:p>
               <a:p>
-                <a:endParaRPr kumimoji="1" lang="en-US" altLang="zh-SG" sz="1400" dirty="0">
+                <a:endParaRPr kumimoji="1" lang="en-US" altLang="zh-SG" sz="1600" dirty="0">
                   <a:latin typeface="KaiTi" panose="02010609060101010101" pitchFamily="49" charset="-122"/>
                   <a:ea typeface="KaiTi" panose="02010609060101010101" pitchFamily="49" charset="-122"/>
                 </a:endParaRPr>
@@ -3715,7 +3722,7 @@
               <p:cNvPr id="9" name="文本框 8">
                 <a:extLst>
                   <a:ext uri="{FF2B5EF4-FFF2-40B4-BE49-F238E27FC236}">
-                    <a16:creationId xmlns:a16="http://schemas.microsoft.com/office/drawing/2014/main" id="{457B4597-7578-2165-7585-72A68C66502C}"/>
+                    <a16:creationId xmlns:a16="http://schemas.microsoft.com/office/drawing/2014/main" id="{587F823A-7DC9-91CF-1E4E-494ABF92501D}"/>
                   </a:ext>
                 </a:extLst>
               </p:cNvPr>
@@ -3724,8 +3731,8 @@
             </p:nvSpPr>
             <p:spPr>
               <a:xfrm>
-                <a:off x="2110600" y="2391609"/>
-                <a:ext cx="992740" cy="969599"/>
+                <a:off x="1957062" y="2597173"/>
+                <a:ext cx="1219257" cy="1051851"/>
               </a:xfrm>
               <a:prstGeom prst="rect">
                 <a:avLst/>
@@ -3746,28 +3753,28 @@
                   <a:buChar char="•"/>
                 </a:pPr>
                 <a:r>
-                  <a:rPr kumimoji="1" lang="zh-SG" altLang="en-US" sz="1200" dirty="0">
+                  <a:rPr kumimoji="1" lang="zh-SG" altLang="en-US" sz="1600" dirty="0">
                     <a:latin typeface="KaiTi" panose="02010609060101010101" pitchFamily="49" charset="-122"/>
                     <a:ea typeface="KaiTi" panose="02010609060101010101" pitchFamily="49" charset="-122"/>
                   </a:rPr>
                   <a:t>网暴感染机制</a:t>
                 </a:r>
                 <a:r>
-                  <a:rPr kumimoji="1" lang="en-US" altLang="zh-SG" sz="1200" dirty="0">
+                  <a:rPr kumimoji="1" lang="en-US" altLang="zh-SG" sz="1600" dirty="0">
                     <a:latin typeface="KaiTi" panose="02010609060101010101" pitchFamily="49" charset="-122"/>
                     <a:ea typeface="KaiTi" panose="02010609060101010101" pitchFamily="49" charset="-122"/>
                   </a:rPr>
                   <a:t>(</a:t>
                 </a:r>
                 <a:r>
-                  <a:rPr kumimoji="1" lang="zh-SG" altLang="en-US" sz="1200" dirty="0">
+                  <a:rPr kumimoji="1" lang="zh-SG" altLang="en-US" sz="1600" dirty="0">
                     <a:latin typeface="KaiTi" panose="02010609060101010101" pitchFamily="49" charset="-122"/>
                     <a:ea typeface="KaiTi" panose="02010609060101010101" pitchFamily="49" charset="-122"/>
                   </a:rPr>
                   <a:t>被网暴者有小概率变成施暴者</a:t>
                 </a:r>
                 <a:r>
-                  <a:rPr kumimoji="1" lang="en-US" altLang="zh-SG" sz="1200" dirty="0">
+                  <a:rPr kumimoji="1" lang="en-US" altLang="zh-SG" sz="1600" dirty="0">
                     <a:latin typeface="KaiTi" panose="02010609060101010101" pitchFamily="49" charset="-122"/>
                     <a:ea typeface="KaiTi" panose="02010609060101010101" pitchFamily="49" charset="-122"/>
                   </a:rPr>
@@ -3782,7 +3789,7 @@
             <p:cNvPr id="12" name="组合 11">
               <a:extLst>
                 <a:ext uri="{FF2B5EF4-FFF2-40B4-BE49-F238E27FC236}">
-                  <a16:creationId xmlns:a16="http://schemas.microsoft.com/office/drawing/2014/main" id="{DC2987B0-AA15-931C-021C-50610281C09E}"/>
+                  <a16:creationId xmlns:a16="http://schemas.microsoft.com/office/drawing/2014/main" id="{0745AAA3-FAE2-720A-63DC-6420FC434043}"/>
                 </a:ext>
               </a:extLst>
             </p:cNvPr>
@@ -3791,10 +3798,10 @@
           </p:nvGrpSpPr>
           <p:grpSpPr>
             <a:xfrm>
-              <a:off x="3348838" y="1949558"/>
-              <a:ext cx="1182879" cy="2217375"/>
-              <a:chOff x="2029591" y="1949558"/>
-              <a:chExt cx="1182879" cy="2217375"/>
+              <a:off x="3360871" y="2030741"/>
+              <a:ext cx="1406338" cy="2136192"/>
+              <a:chOff x="2041624" y="2030741"/>
+              <a:chExt cx="1406338" cy="2136192"/>
             </a:xfrm>
           </p:grpSpPr>
           <p:sp>
@@ -3802,7 +3809,7 @@
               <p:cNvPr id="13" name="圆角矩形 12">
                 <a:extLst>
                   <a:ext uri="{FF2B5EF4-FFF2-40B4-BE49-F238E27FC236}">
-                    <a16:creationId xmlns:a16="http://schemas.microsoft.com/office/drawing/2014/main" id="{C94DFFBE-E939-E659-8781-891C225D10FB}"/>
+                    <a16:creationId xmlns:a16="http://schemas.microsoft.com/office/drawing/2014/main" id="{FB0C0917-BAB9-2EF1-C0FA-AFAECB843181}"/>
                   </a:ext>
                 </a:extLst>
               </p:cNvPr>
@@ -3811,8 +3818,8 @@
             </p:nvSpPr>
             <p:spPr>
               <a:xfrm>
-                <a:off x="2069605" y="1949558"/>
-                <a:ext cx="1120902" cy="2217375"/>
+                <a:off x="2044556" y="2040655"/>
+                <a:ext cx="1295797" cy="2126278"/>
               </a:xfrm>
               <a:prstGeom prst="roundRect">
                 <a:avLst/>
@@ -3845,7 +3852,7 @@
               <a:lstStyle/>
               <a:p>
                 <a:pPr algn="ctr"/>
-                <a:endParaRPr kumimoji="1" lang="zh-SG" altLang="en-US"/>
+                <a:endParaRPr kumimoji="1" lang="zh-SG" altLang="en-US" sz="2400"/>
               </a:p>
             </p:txBody>
           </p:sp>
@@ -3854,7 +3861,7 @@
               <p:cNvPr id="14" name="文本框 13">
                 <a:extLst>
                   <a:ext uri="{FF2B5EF4-FFF2-40B4-BE49-F238E27FC236}">
-                    <a16:creationId xmlns:a16="http://schemas.microsoft.com/office/drawing/2014/main" id="{825C0384-E9B1-B051-D37E-5C472D536EFE}"/>
+                    <a16:creationId xmlns:a16="http://schemas.microsoft.com/office/drawing/2014/main" id="{94D91D76-407A-82AD-DC59-74D66E5AEA64}"/>
                   </a:ext>
                 </a:extLst>
               </p:cNvPr>
@@ -3863,8 +3870,8 @@
             </p:nvSpPr>
             <p:spPr>
               <a:xfrm>
-                <a:off x="2029591" y="2040655"/>
-                <a:ext cx="1171255" cy="523220"/>
+                <a:off x="2129031" y="2030741"/>
+                <a:ext cx="1171255" cy="784559"/>
               </a:xfrm>
               <a:prstGeom prst="rect">
                 <a:avLst/>
@@ -3879,19 +3886,19 @@
               <a:p>
                 <a:pPr algn="ctr"/>
                 <a:r>
-                  <a:rPr kumimoji="1" lang="zh-SG" altLang="en-US" sz="1400" b="1" dirty="0">
+                  <a:rPr kumimoji="1" lang="zh-SG" altLang="en-US" sz="1600" b="1" dirty="0">
                     <a:latin typeface="KaiTi" panose="02010609060101010101" pitchFamily="49" charset="-122"/>
                     <a:ea typeface="KaiTi" panose="02010609060101010101" pitchFamily="49" charset="-122"/>
                   </a:rPr>
                   <a:t>负反馈调节</a:t>
                 </a:r>
-                <a:endParaRPr kumimoji="1" lang="en-US" altLang="zh-SG" sz="1400" b="1" dirty="0">
+                <a:endParaRPr kumimoji="1" lang="en-US" altLang="zh-SG" sz="1600" b="1" dirty="0">
                   <a:latin typeface="KaiTi" panose="02010609060101010101" pitchFamily="49" charset="-122"/>
                   <a:ea typeface="KaiTi" panose="02010609060101010101" pitchFamily="49" charset="-122"/>
                 </a:endParaRPr>
               </a:p>
               <a:p>
-                <a:endParaRPr kumimoji="1" lang="en-US" altLang="zh-SG" sz="1400" dirty="0">
+                <a:endParaRPr kumimoji="1" lang="en-US" altLang="zh-SG" sz="1600" dirty="0">
                   <a:latin typeface="KaiTi" panose="02010609060101010101" pitchFamily="49" charset="-122"/>
                   <a:ea typeface="KaiTi" panose="02010609060101010101" pitchFamily="49" charset="-122"/>
                 </a:endParaRPr>
@@ -3903,7 +3910,7 @@
               <p:cNvPr id="15" name="文本框 14">
                 <a:extLst>
                   <a:ext uri="{FF2B5EF4-FFF2-40B4-BE49-F238E27FC236}">
-                    <a16:creationId xmlns:a16="http://schemas.microsoft.com/office/drawing/2014/main" id="{9A9072E1-291F-F53E-4C6E-2177A6FCBEAC}"/>
+                    <a16:creationId xmlns:a16="http://schemas.microsoft.com/office/drawing/2014/main" id="{D3BE8E36-6BE7-3736-FDC2-DBE08C5A0EE6}"/>
                   </a:ext>
                 </a:extLst>
               </p:cNvPr>
@@ -3912,8 +3919,8 @@
             </p:nvSpPr>
             <p:spPr>
               <a:xfrm>
-                <a:off x="2041623" y="2401794"/>
-                <a:ext cx="1170847" cy="1498470"/>
+                <a:off x="2041624" y="2381439"/>
+                <a:ext cx="1406338" cy="1775581"/>
               </a:xfrm>
               <a:prstGeom prst="rect">
                 <a:avLst/>
@@ -3934,13 +3941,13 @@
                   <a:buChar char="•"/>
                 </a:pPr>
                 <a:r>
-                  <a:rPr kumimoji="1" lang="zh-SG" altLang="en-US" sz="1200" dirty="0">
+                  <a:rPr kumimoji="1" lang="zh-SG" altLang="en-US" sz="1600" dirty="0">
                     <a:latin typeface="KaiTi" panose="02010609060101010101" pitchFamily="49" charset="-122"/>
                     <a:ea typeface="KaiTi" panose="02010609060101010101" pitchFamily="49" charset="-122"/>
                   </a:rPr>
                   <a:t>监管者定期巡视</a:t>
                 </a:r>
-                <a:endParaRPr kumimoji="1" lang="en-US" altLang="zh-SG" sz="1200" dirty="0">
+                <a:endParaRPr kumimoji="1" lang="en-US" altLang="zh-SG" sz="1600" dirty="0">
                   <a:latin typeface="KaiTi" panose="02010609060101010101" pitchFamily="49" charset="-122"/>
                   <a:ea typeface="KaiTi" panose="02010609060101010101" pitchFamily="49" charset="-122"/>
                 </a:endParaRPr>
@@ -3954,13 +3961,13 @@
                   <a:buChar char="•"/>
                 </a:pPr>
                 <a:r>
-                  <a:rPr kumimoji="1" lang="zh-SG" altLang="en-US" sz="1200" dirty="0">
+                  <a:rPr kumimoji="1" lang="zh-SG" altLang="en-US" sz="1600" dirty="0">
                     <a:latin typeface="KaiTi" panose="02010609060101010101" pitchFamily="49" charset="-122"/>
                     <a:ea typeface="KaiTi" panose="02010609060101010101" pitchFamily="49" charset="-122"/>
                   </a:rPr>
                   <a:t>投资者可举报他人网暴行为</a:t>
                 </a:r>
-                <a:endParaRPr kumimoji="1" lang="en-US" altLang="zh-SG" sz="1200" dirty="0">
+                <a:endParaRPr kumimoji="1" lang="en-US" altLang="zh-SG" sz="1600" dirty="0">
                   <a:latin typeface="KaiTi" panose="02010609060101010101" pitchFamily="49" charset="-122"/>
                   <a:ea typeface="KaiTi" panose="02010609060101010101" pitchFamily="49" charset="-122"/>
                 </a:endParaRPr>
@@ -3974,7 +3981,7 @@
                   <a:buChar char="•"/>
                 </a:pPr>
                 <a:r>
-                  <a:rPr kumimoji="1" lang="zh-SG" altLang="en-US" sz="1200" dirty="0">
+                  <a:rPr kumimoji="1" lang="zh-SG" altLang="en-US" sz="1600" dirty="0">
                     <a:latin typeface="KaiTi" panose="02010609060101010101" pitchFamily="49" charset="-122"/>
                     <a:ea typeface="KaiTi" panose="02010609060101010101" pitchFamily="49" charset="-122"/>
                   </a:rPr>
@@ -3990,7 +3997,7 @@
           <p:cNvPr id="18" name="组合 17">
             <a:extLst>
               <a:ext uri="{FF2B5EF4-FFF2-40B4-BE49-F238E27FC236}">
-                <a16:creationId xmlns:a16="http://schemas.microsoft.com/office/drawing/2014/main" id="{5A09AB11-2B2C-EEBF-4DE3-015BC7639B67}"/>
+                <a16:creationId xmlns:a16="http://schemas.microsoft.com/office/drawing/2014/main" id="{10F61EC0-F403-F645-4574-4D17F704BE22}"/>
               </a:ext>
             </a:extLst>
           </p:cNvPr>
@@ -3999,10 +4006,10 @@
         </p:nvGrpSpPr>
         <p:grpSpPr>
           <a:xfrm>
-            <a:off x="8673704" y="142916"/>
-            <a:ext cx="2938408" cy="3113070"/>
-            <a:chOff x="1828801" y="1438382"/>
-            <a:chExt cx="2938408" cy="3113070"/>
+            <a:off x="7565041" y="491544"/>
+            <a:ext cx="4306094" cy="2811856"/>
+            <a:chOff x="1828801" y="1438383"/>
+            <a:chExt cx="2938408" cy="2096507"/>
           </a:xfrm>
         </p:grpSpPr>
         <p:sp>
@@ -4010,7 +4017,7 @@
             <p:cNvPr id="19" name="圆角矩形 18">
               <a:extLst>
                 <a:ext uri="{FF2B5EF4-FFF2-40B4-BE49-F238E27FC236}">
-                  <a16:creationId xmlns:a16="http://schemas.microsoft.com/office/drawing/2014/main" id="{34F539A6-F65A-51A7-FA8C-EC45CBF3CE4D}"/>
+                  <a16:creationId xmlns:a16="http://schemas.microsoft.com/office/drawing/2014/main" id="{97F9C039-2EB2-877D-0D85-D14BBCB67744}"/>
                 </a:ext>
               </a:extLst>
             </p:cNvPr>
@@ -4019,8 +4026,8 @@
           </p:nvSpPr>
           <p:spPr>
             <a:xfrm>
-              <a:off x="1828801" y="1438382"/>
-              <a:ext cx="2938408" cy="3113070"/>
+              <a:off x="1828801" y="1438383"/>
+              <a:ext cx="2938408" cy="2096507"/>
             </a:xfrm>
             <a:prstGeom prst="roundRect">
               <a:avLst/>
@@ -4056,7 +4063,7 @@
             <a:lstStyle/>
             <a:p>
               <a:pPr algn="ctr"/>
-              <a:endParaRPr kumimoji="1" lang="zh-SG" altLang="en-US"/>
+              <a:endParaRPr kumimoji="1" lang="zh-SG" altLang="en-US" sz="2000"/>
             </a:p>
           </p:txBody>
         </p:sp>
@@ -4065,7 +4072,7 @@
             <p:cNvPr id="20" name="文本框 19">
               <a:extLst>
                 <a:ext uri="{FF2B5EF4-FFF2-40B4-BE49-F238E27FC236}">
-                  <a16:creationId xmlns:a16="http://schemas.microsoft.com/office/drawing/2014/main" id="{BBFDC637-112B-862F-2DAF-FE89E7E61A2F}"/>
+                  <a16:creationId xmlns:a16="http://schemas.microsoft.com/office/drawing/2014/main" id="{7C5841BE-6824-56CD-9484-3C559C58F795}"/>
                 </a:ext>
               </a:extLst>
             </p:cNvPr>
@@ -4074,8 +4081,8 @@
           </p:nvSpPr>
           <p:spPr>
             <a:xfrm>
-              <a:off x="2446724" y="1511931"/>
-              <a:ext cx="1834156" cy="369332"/>
+              <a:off x="2542114" y="1485380"/>
+              <a:ext cx="1615816" cy="298320"/>
             </a:xfrm>
             <a:prstGeom prst="rect">
               <a:avLst/>
@@ -4083,13 +4090,13 @@
             <a:noFill/>
           </p:spPr>
           <p:txBody>
-            <a:bodyPr wrap="none" rtlCol="0">
+            <a:bodyPr wrap="square" rtlCol="0">
               <a:spAutoFit/>
             </a:bodyPr>
             <a:lstStyle/>
             <a:p>
               <a:r>
-                <a:rPr kumimoji="1" lang="zh-SG" altLang="en-US" b="1" dirty="0">
+                <a:rPr kumimoji="1" lang="zh-SG" altLang="en-US" sz="2000" b="1" dirty="0">
                   <a:latin typeface="SimHei" panose="02010609060101010101" pitchFamily="49" charset="-122"/>
                   <a:ea typeface="SimHei" panose="02010609060101010101" pitchFamily="49" charset="-122"/>
                 </a:rPr>
@@ -4103,7 +4110,7 @@
             <p:cNvPr id="21" name="组合 20">
               <a:extLst>
                 <a:ext uri="{FF2B5EF4-FFF2-40B4-BE49-F238E27FC236}">
-                  <a16:creationId xmlns:a16="http://schemas.microsoft.com/office/drawing/2014/main" id="{2444C9D1-B5B9-158B-74E3-6639AB9326A5}"/>
+                  <a16:creationId xmlns:a16="http://schemas.microsoft.com/office/drawing/2014/main" id="{1EDB89A9-3340-49CD-11DB-97A03AC95ABB}"/>
                 </a:ext>
               </a:extLst>
             </p:cNvPr>
@@ -4112,10 +4119,10 @@
           </p:nvGrpSpPr>
           <p:grpSpPr>
             <a:xfrm>
-              <a:off x="2044556" y="1974114"/>
-              <a:ext cx="1171255" cy="2330758"/>
-              <a:chOff x="2044556" y="1974114"/>
-              <a:chExt cx="1171255" cy="2330758"/>
+              <a:off x="1946665" y="1851737"/>
+              <a:ext cx="1343885" cy="1506911"/>
+              <a:chOff x="1946665" y="1851737"/>
+              <a:chExt cx="1343885" cy="1506911"/>
             </a:xfrm>
           </p:grpSpPr>
           <p:sp>
@@ -4123,7 +4130,7 @@
               <p:cNvPr id="26" name="圆角矩形 25">
                 <a:extLst>
                   <a:ext uri="{FF2B5EF4-FFF2-40B4-BE49-F238E27FC236}">
-                    <a16:creationId xmlns:a16="http://schemas.microsoft.com/office/drawing/2014/main" id="{7DE6C66B-4065-880E-F4AB-32F7DA4C42E2}"/>
+                    <a16:creationId xmlns:a16="http://schemas.microsoft.com/office/drawing/2014/main" id="{FBD68BDE-0E26-BA6E-D2DE-5A0E64A5B817}"/>
                   </a:ext>
                 </a:extLst>
               </p:cNvPr>
@@ -4132,8 +4139,8 @@
             </p:nvSpPr>
             <p:spPr>
               <a:xfrm>
-                <a:off x="2044556" y="1974114"/>
-                <a:ext cx="1171255" cy="2330758"/>
+                <a:off x="1946665" y="1851737"/>
+                <a:ext cx="1276016" cy="1474851"/>
               </a:xfrm>
               <a:prstGeom prst="roundRect">
                 <a:avLst/>
@@ -4166,7 +4173,7 @@
               <a:lstStyle/>
               <a:p>
                 <a:pPr algn="ctr"/>
-                <a:endParaRPr kumimoji="1" lang="zh-SG" altLang="en-US"/>
+                <a:endParaRPr kumimoji="1" lang="zh-SG" altLang="en-US" sz="2000"/>
               </a:p>
             </p:txBody>
           </p:sp>
@@ -4175,7 +4182,7 @@
               <p:cNvPr id="27" name="文本框 26">
                 <a:extLst>
                   <a:ext uri="{FF2B5EF4-FFF2-40B4-BE49-F238E27FC236}">
-                    <a16:creationId xmlns:a16="http://schemas.microsoft.com/office/drawing/2014/main" id="{48BD8852-EFC5-ED31-67D3-602D0485CA89}"/>
+                    <a16:creationId xmlns:a16="http://schemas.microsoft.com/office/drawing/2014/main" id="{87EF4856-8587-CA05-077C-A4CB0FD91859}"/>
                   </a:ext>
                 </a:extLst>
               </p:cNvPr>
@@ -4184,8 +4191,8 @@
             </p:nvSpPr>
             <p:spPr>
               <a:xfrm>
-                <a:off x="2044556" y="2213365"/>
-                <a:ext cx="1171255" cy="307777"/>
+                <a:off x="1946665" y="1893867"/>
+                <a:ext cx="1171255" cy="584775"/>
               </a:xfrm>
               <a:prstGeom prst="rect">
                 <a:avLst/>
@@ -4200,13 +4207,13 @@
               <a:p>
                 <a:pPr algn="ctr"/>
                 <a:r>
-                  <a:rPr kumimoji="1" lang="zh-SG" altLang="en-US" sz="1400" b="1" dirty="0">
+                  <a:rPr kumimoji="1" lang="zh-SG" altLang="en-US" sz="1600" b="1" dirty="0">
                     <a:latin typeface="KaiTi" panose="02010609060101010101" pitchFamily="49" charset="-122"/>
                     <a:ea typeface="KaiTi" panose="02010609060101010101" pitchFamily="49" charset="-122"/>
                   </a:rPr>
                   <a:t>散户投资者</a:t>
                 </a:r>
-                <a:endParaRPr kumimoji="1" lang="en-US" altLang="zh-SG" sz="1400" dirty="0">
+                <a:endParaRPr kumimoji="1" lang="en-US" altLang="zh-SG" sz="1600" dirty="0">
                   <a:latin typeface="KaiTi" panose="02010609060101010101" pitchFamily="49" charset="-122"/>
                   <a:ea typeface="KaiTi" panose="02010609060101010101" pitchFamily="49" charset="-122"/>
                 </a:endParaRPr>
@@ -4218,7 +4225,7 @@
               <p:cNvPr id="28" name="文本框 27">
                 <a:extLst>
                   <a:ext uri="{FF2B5EF4-FFF2-40B4-BE49-F238E27FC236}">
-                    <a16:creationId xmlns:a16="http://schemas.microsoft.com/office/drawing/2014/main" id="{66C57F20-BFA8-34E5-27CB-A6728B4EC9B4}"/>
+                    <a16:creationId xmlns:a16="http://schemas.microsoft.com/office/drawing/2014/main" id="{DEF49FC8-DF01-AD86-6E0A-4C892C29FA38}"/>
                   </a:ext>
                 </a:extLst>
               </p:cNvPr>
@@ -4227,8 +4234,8 @@
             </p:nvSpPr>
             <p:spPr>
               <a:xfrm>
-                <a:off x="2044556" y="2627669"/>
-                <a:ext cx="1171255" cy="1569660"/>
+                <a:off x="1994753" y="2129522"/>
+                <a:ext cx="1295797" cy="1229126"/>
               </a:xfrm>
               <a:prstGeom prst="rect">
                 <a:avLst/>
@@ -4249,27 +4256,27 @@
                   <a:buChar char="•"/>
                 </a:pPr>
                 <a:r>
-                  <a:rPr kumimoji="1" lang="zh-SG" altLang="en-US" sz="1200" dirty="0">
+                  <a:rPr kumimoji="1" lang="zh-SG" altLang="en-US" sz="1600" dirty="0">
                     <a:latin typeface="KaiTi" panose="02010609060101010101" pitchFamily="49" charset="-122"/>
                     <a:ea typeface="KaiTi" panose="02010609060101010101" pitchFamily="49" charset="-122"/>
                   </a:rPr>
                   <a:t>数量多</a:t>
                 </a:r>
                 <a:r>
-                  <a:rPr kumimoji="1" lang="en-US" altLang="zh-SG" sz="1200" dirty="0">
+                  <a:rPr kumimoji="1" lang="en-US" altLang="zh-SG" sz="1600" dirty="0">
                     <a:latin typeface="KaiTi" panose="02010609060101010101" pitchFamily="49" charset="-122"/>
                     <a:ea typeface="KaiTi" panose="02010609060101010101" pitchFamily="49" charset="-122"/>
                   </a:rPr>
                   <a:t>,</a:t>
                 </a:r>
                 <a:r>
-                  <a:rPr kumimoji="1" lang="zh-SG" altLang="en-US" sz="1200" dirty="0">
+                  <a:rPr kumimoji="1" lang="zh-SG" altLang="en-US" sz="1600" dirty="0">
                     <a:latin typeface="KaiTi" panose="02010609060101010101" pitchFamily="49" charset="-122"/>
                     <a:ea typeface="KaiTi" panose="02010609060101010101" pitchFamily="49" charset="-122"/>
                   </a:rPr>
                   <a:t>资金少</a:t>
                 </a:r>
-                <a:endParaRPr kumimoji="1" lang="en-US" altLang="zh-SG" sz="1200" dirty="0">
+                <a:endParaRPr kumimoji="1" lang="en-US" altLang="zh-SG" sz="1600" dirty="0">
                   <a:latin typeface="KaiTi" panose="02010609060101010101" pitchFamily="49" charset="-122"/>
                   <a:ea typeface="KaiTi" panose="02010609060101010101" pitchFamily="49" charset="-122"/>
                 </a:endParaRPr>
@@ -4283,13 +4290,13 @@
                   <a:buChar char="•"/>
                 </a:pPr>
                 <a:r>
-                  <a:rPr kumimoji="1" lang="zh-SG" altLang="en-US" sz="1200" dirty="0">
+                  <a:rPr kumimoji="1" lang="zh-SG" altLang="en-US" sz="1600" dirty="0">
                     <a:latin typeface="KaiTi" panose="02010609060101010101" pitchFamily="49" charset="-122"/>
                     <a:ea typeface="KaiTi" panose="02010609060101010101" pitchFamily="49" charset="-122"/>
                   </a:rPr>
                   <a:t>基本面分析和技术分析权重相当</a:t>
                 </a:r>
-                <a:endParaRPr kumimoji="1" lang="en-US" altLang="zh-SG" sz="1200" dirty="0">
+                <a:endParaRPr kumimoji="1" lang="en-US" altLang="zh-SG" sz="1600" dirty="0">
                   <a:latin typeface="KaiTi" panose="02010609060101010101" pitchFamily="49" charset="-122"/>
                   <a:ea typeface="KaiTi" panose="02010609060101010101" pitchFamily="49" charset="-122"/>
                 </a:endParaRPr>
@@ -4303,13 +4310,13 @@
                   <a:buChar char="•"/>
                 </a:pPr>
                 <a:r>
-                  <a:rPr kumimoji="1" lang="zh-SG" altLang="en-US" sz="1200" dirty="0">
+                  <a:rPr kumimoji="1" lang="zh-SG" altLang="en-US" sz="1600" dirty="0">
                     <a:latin typeface="KaiTi" panose="02010609060101010101" pitchFamily="49" charset="-122"/>
                     <a:ea typeface="KaiTi" panose="02010609060101010101" pitchFamily="49" charset="-122"/>
                   </a:rPr>
                   <a:t>噪声较大</a:t>
                 </a:r>
-                <a:endParaRPr kumimoji="1" lang="en-US" altLang="zh-SG" sz="1200" dirty="0">
+                <a:endParaRPr kumimoji="1" lang="en-US" altLang="zh-SG" sz="1600" dirty="0">
                   <a:latin typeface="KaiTi" panose="02010609060101010101" pitchFamily="49" charset="-122"/>
                   <a:ea typeface="KaiTi" panose="02010609060101010101" pitchFamily="49" charset="-122"/>
                 </a:endParaRPr>
@@ -4323,13 +4330,13 @@
                   <a:buChar char="•"/>
                 </a:pPr>
                 <a:r>
-                  <a:rPr kumimoji="1" lang="zh-SG" altLang="en-US" sz="1200" dirty="0">
+                  <a:rPr kumimoji="1" lang="zh-SG" altLang="en-US" sz="1600" dirty="0">
                     <a:latin typeface="KaiTi" panose="02010609060101010101" pitchFamily="49" charset="-122"/>
                     <a:ea typeface="KaiTi" panose="02010609060101010101" pitchFamily="49" charset="-122"/>
                   </a:rPr>
                   <a:t>有情绪面指标</a:t>
                 </a:r>
-                <a:endParaRPr kumimoji="1" lang="en-US" altLang="zh-SG" sz="1200" dirty="0">
+                <a:endParaRPr kumimoji="1" lang="en-US" altLang="zh-SG" sz="1600" dirty="0">
                   <a:latin typeface="KaiTi" panose="02010609060101010101" pitchFamily="49" charset="-122"/>
                   <a:ea typeface="KaiTi" panose="02010609060101010101" pitchFamily="49" charset="-122"/>
                 </a:endParaRPr>
@@ -4342,7 +4349,7 @@
             <p:cNvPr id="22" name="组合 21">
               <a:extLst>
                 <a:ext uri="{FF2B5EF4-FFF2-40B4-BE49-F238E27FC236}">
-                  <a16:creationId xmlns:a16="http://schemas.microsoft.com/office/drawing/2014/main" id="{84C4B601-4D55-7CCE-7684-F3866B4567B7}"/>
+                  <a16:creationId xmlns:a16="http://schemas.microsoft.com/office/drawing/2014/main" id="{B9507056-1D5E-225E-197A-F152C41B793F}"/>
                 </a:ext>
               </a:extLst>
             </p:cNvPr>
@@ -4351,10 +4358,10 @@
           </p:nvGrpSpPr>
           <p:grpSpPr>
             <a:xfrm>
-              <a:off x="3363802" y="1974114"/>
-              <a:ext cx="1171256" cy="2330758"/>
-              <a:chOff x="2044555" y="1974114"/>
-              <a:chExt cx="1171256" cy="2330758"/>
+              <a:off x="3350022" y="1830697"/>
+              <a:ext cx="1338481" cy="1495891"/>
+              <a:chOff x="2030775" y="1830697"/>
+              <a:chExt cx="1338481" cy="1495891"/>
             </a:xfrm>
           </p:grpSpPr>
           <p:sp>
@@ -4362,7 +4369,7 @@
               <p:cNvPr id="23" name="圆角矩形 22">
                 <a:extLst>
                   <a:ext uri="{FF2B5EF4-FFF2-40B4-BE49-F238E27FC236}">
-                    <a16:creationId xmlns:a16="http://schemas.microsoft.com/office/drawing/2014/main" id="{9DEAB85D-D017-E766-936B-D20BAEC67629}"/>
+                    <a16:creationId xmlns:a16="http://schemas.microsoft.com/office/drawing/2014/main" id="{78980DE3-6C8A-AFA8-3C24-F886DD6A0304}"/>
                   </a:ext>
                 </a:extLst>
               </p:cNvPr>
@@ -4371,8 +4378,8 @@
             </p:nvSpPr>
             <p:spPr>
               <a:xfrm>
-                <a:off x="2044556" y="1974114"/>
-                <a:ext cx="1171255" cy="2330758"/>
+                <a:off x="2030775" y="1830697"/>
+                <a:ext cx="1291969" cy="1495891"/>
               </a:xfrm>
               <a:prstGeom prst="roundRect">
                 <a:avLst/>
@@ -4405,7 +4412,7 @@
               <a:lstStyle/>
               <a:p>
                 <a:pPr algn="ctr"/>
-                <a:endParaRPr kumimoji="1" lang="zh-SG" altLang="en-US"/>
+                <a:endParaRPr kumimoji="1" lang="zh-SG" altLang="en-US" sz="2000"/>
               </a:p>
             </p:txBody>
           </p:sp>
@@ -4414,7 +4421,7 @@
               <p:cNvPr id="24" name="文本框 23">
                 <a:extLst>
                   <a:ext uri="{FF2B5EF4-FFF2-40B4-BE49-F238E27FC236}">
-                    <a16:creationId xmlns:a16="http://schemas.microsoft.com/office/drawing/2014/main" id="{40D279DA-74EE-FA50-C51C-BD96BE91158A}"/>
+                    <a16:creationId xmlns:a16="http://schemas.microsoft.com/office/drawing/2014/main" id="{F2292A2A-1279-3F3C-D8AB-BF100EDC6513}"/>
                   </a:ext>
                 </a:extLst>
               </p:cNvPr>
@@ -4423,8 +4430,8 @@
             </p:nvSpPr>
             <p:spPr>
               <a:xfrm>
-                <a:off x="2044556" y="2213365"/>
-                <a:ext cx="1171255" cy="307777"/>
+                <a:off x="2091673" y="1906461"/>
+                <a:ext cx="1171255" cy="584775"/>
               </a:xfrm>
               <a:prstGeom prst="rect">
                 <a:avLst/>
@@ -4439,13 +4446,13 @@
               <a:p>
                 <a:pPr algn="ctr"/>
                 <a:r>
-                  <a:rPr kumimoji="1" lang="zh-SG" altLang="en-US" sz="1400" b="1" dirty="0">
+                  <a:rPr kumimoji="1" lang="zh-SG" altLang="en-US" sz="1600" b="1" dirty="0">
                     <a:latin typeface="KaiTi" panose="02010609060101010101" pitchFamily="49" charset="-122"/>
                     <a:ea typeface="KaiTi" panose="02010609060101010101" pitchFamily="49" charset="-122"/>
                   </a:rPr>
                   <a:t>机构投资者</a:t>
                 </a:r>
-                <a:endParaRPr kumimoji="1" lang="en-US" altLang="zh-SG" sz="1400" dirty="0">
+                <a:endParaRPr kumimoji="1" lang="en-US" altLang="zh-SG" sz="1600" dirty="0">
                   <a:latin typeface="KaiTi" panose="02010609060101010101" pitchFamily="49" charset="-122"/>
                   <a:ea typeface="KaiTi" panose="02010609060101010101" pitchFamily="49" charset="-122"/>
                 </a:endParaRPr>
@@ -4457,7 +4464,7 @@
               <p:cNvPr id="25" name="文本框 24">
                 <a:extLst>
                   <a:ext uri="{FF2B5EF4-FFF2-40B4-BE49-F238E27FC236}">
-                    <a16:creationId xmlns:a16="http://schemas.microsoft.com/office/drawing/2014/main" id="{D13932D2-98B1-4764-884C-441BE13B71FE}"/>
+                    <a16:creationId xmlns:a16="http://schemas.microsoft.com/office/drawing/2014/main" id="{15699B75-1435-3C66-0999-DD8C3D3C2EC6}"/>
                   </a:ext>
                 </a:extLst>
               </p:cNvPr>
@@ -4466,8 +4473,8 @@
             </p:nvSpPr>
             <p:spPr>
               <a:xfrm>
-                <a:off x="2044555" y="2625986"/>
-                <a:ext cx="1171255" cy="1569660"/>
+                <a:off x="2050009" y="2156253"/>
+                <a:ext cx="1319247" cy="950349"/>
               </a:xfrm>
               <a:prstGeom prst="rect">
                 <a:avLst/>
@@ -4488,27 +4495,27 @@
                   <a:buChar char="•"/>
                 </a:pPr>
                 <a:r>
-                  <a:rPr kumimoji="1" lang="zh-SG" altLang="en-US" sz="1200" dirty="0">
+                  <a:rPr kumimoji="1" lang="zh-SG" altLang="en-US" sz="1600" dirty="0">
                     <a:latin typeface="KaiTi" panose="02010609060101010101" pitchFamily="49" charset="-122"/>
                     <a:ea typeface="KaiTi" panose="02010609060101010101" pitchFamily="49" charset="-122"/>
                   </a:rPr>
                   <a:t>数量少</a:t>
                 </a:r>
                 <a:r>
-                  <a:rPr kumimoji="1" lang="en-US" altLang="zh-SG" sz="1200" dirty="0">
+                  <a:rPr kumimoji="1" lang="en-US" altLang="zh-SG" sz="1600" dirty="0">
                     <a:latin typeface="KaiTi" panose="02010609060101010101" pitchFamily="49" charset="-122"/>
                     <a:ea typeface="KaiTi" panose="02010609060101010101" pitchFamily="49" charset="-122"/>
                   </a:rPr>
                   <a:t>,</a:t>
                 </a:r>
                 <a:r>
-                  <a:rPr kumimoji="1" lang="zh-SG" altLang="en-US" sz="1200" dirty="0">
+                  <a:rPr kumimoji="1" lang="zh-SG" altLang="en-US" sz="1600" dirty="0">
                     <a:latin typeface="KaiTi" panose="02010609060101010101" pitchFamily="49" charset="-122"/>
                     <a:ea typeface="KaiTi" panose="02010609060101010101" pitchFamily="49" charset="-122"/>
                   </a:rPr>
                   <a:t>资金多</a:t>
                 </a:r>
-                <a:endParaRPr kumimoji="1" lang="en-US" altLang="zh-SG" sz="1200" dirty="0">
+                <a:endParaRPr kumimoji="1" lang="en-US" altLang="zh-SG" sz="1600" dirty="0">
                   <a:latin typeface="KaiTi" panose="02010609060101010101" pitchFamily="49" charset="-122"/>
                   <a:ea typeface="KaiTi" panose="02010609060101010101" pitchFamily="49" charset="-122"/>
                 </a:endParaRPr>
@@ -4522,38 +4529,34 @@
                   <a:buChar char="•"/>
                 </a:pPr>
                 <a:r>
-                  <a:rPr kumimoji="1" lang="zh-SG" altLang="en-US" sz="1200" dirty="0">
+                  <a:rPr kumimoji="1" lang="zh-SG" altLang="en-US" sz="1600" dirty="0">
                     <a:latin typeface="KaiTi" panose="02010609060101010101" pitchFamily="49" charset="-122"/>
                     <a:ea typeface="KaiTi" panose="02010609060101010101" pitchFamily="49" charset="-122"/>
                   </a:rPr>
                   <a:t>重基本面</a:t>
                 </a:r>
                 <a:r>
-                  <a:rPr kumimoji="1" lang="en-US" altLang="zh-SG" sz="1200" dirty="0">
+                  <a:rPr kumimoji="1" lang="en-US" altLang="zh-SG" sz="1600" dirty="0">
                     <a:latin typeface="KaiTi" panose="02010609060101010101" pitchFamily="49" charset="-122"/>
                     <a:ea typeface="KaiTi" panose="02010609060101010101" pitchFamily="49" charset="-122"/>
                   </a:rPr>
                   <a:t>,</a:t>
                 </a:r>
                 <a:r>
-                  <a:rPr kumimoji="1" lang="zh-SG" altLang="en-US" sz="1200" dirty="0">
+                  <a:rPr kumimoji="1" lang="zh-SG" altLang="en-US" sz="1600" dirty="0">
                     <a:latin typeface="KaiTi" panose="02010609060101010101" pitchFamily="49" charset="-122"/>
                     <a:ea typeface="KaiTi" panose="02010609060101010101" pitchFamily="49" charset="-122"/>
                   </a:rPr>
-                  <a:t>轻技术面</a:t>
+                  <a:t>轻</a:t>
                 </a:r>
-                <a:endParaRPr kumimoji="1" lang="en-US" altLang="zh-SG" sz="1200" dirty="0">
-                  <a:latin typeface="KaiTi" panose="02010609060101010101" pitchFamily="49" charset="-122"/>
-                  <a:ea typeface="KaiTi" panose="02010609060101010101" pitchFamily="49" charset="-122"/>
-                </a:endParaRPr>
-              </a:p>
-              <a:p>
-                <a:pPr>
-                  <a:buClr>
-                    <a:schemeClr val="accent5"/>
-                  </a:buClr>
-                </a:pPr>
-                <a:endParaRPr kumimoji="1" lang="en-US" altLang="zh-SG" sz="1200" dirty="0">
+                <a:r>
+                  <a:rPr kumimoji="1" lang="zh-SG" altLang="en-US" sz="1600">
+                    <a:latin typeface="KaiTi" panose="02010609060101010101" pitchFamily="49" charset="-122"/>
+                    <a:ea typeface="KaiTi" panose="02010609060101010101" pitchFamily="49" charset="-122"/>
+                  </a:rPr>
+                  <a:t>技术面</a:t>
+                </a:r>
+                <a:endParaRPr kumimoji="1" lang="en-US" altLang="zh-SG" sz="1600" dirty="0">
                   <a:latin typeface="KaiTi" panose="02010609060101010101" pitchFamily="49" charset="-122"/>
                   <a:ea typeface="KaiTi" panose="02010609060101010101" pitchFamily="49" charset="-122"/>
                 </a:endParaRPr>
@@ -4567,13 +4570,13 @@
                   <a:buChar char="•"/>
                 </a:pPr>
                 <a:r>
-                  <a:rPr kumimoji="1" lang="zh-SG" altLang="en-US" sz="1200" dirty="0">
+                  <a:rPr kumimoji="1" lang="zh-SG" altLang="en-US" sz="1600" dirty="0">
                     <a:latin typeface="KaiTi" panose="02010609060101010101" pitchFamily="49" charset="-122"/>
                     <a:ea typeface="KaiTi" panose="02010609060101010101" pitchFamily="49" charset="-122"/>
                   </a:rPr>
                   <a:t>噪声较小</a:t>
                 </a:r>
-                <a:endParaRPr kumimoji="1" lang="en-US" altLang="zh-SG" sz="1200" dirty="0">
+                <a:endParaRPr kumimoji="1" lang="en-US" altLang="zh-SG" sz="1600" dirty="0">
                   <a:latin typeface="KaiTi" panose="02010609060101010101" pitchFamily="49" charset="-122"/>
                   <a:ea typeface="KaiTi" panose="02010609060101010101" pitchFamily="49" charset="-122"/>
                 </a:endParaRPr>
@@ -4587,7 +4590,7 @@
                   <a:buChar char="•"/>
                 </a:pPr>
                 <a:r>
-                  <a:rPr kumimoji="1" lang="zh-SG" altLang="en-US" sz="1200" dirty="0">
+                  <a:rPr kumimoji="1" lang="zh-SG" altLang="en-US" sz="1600" dirty="0">
                     <a:latin typeface="KaiTi" panose="02010609060101010101" pitchFamily="49" charset="-122"/>
                     <a:ea typeface="KaiTi" panose="02010609060101010101" pitchFamily="49" charset="-122"/>
                   </a:rPr>
@@ -4603,20 +4606,19 @@
           <p:cNvPr id="49" name="直线箭头连接符 48">
             <a:extLst>
               <a:ext uri="{FF2B5EF4-FFF2-40B4-BE49-F238E27FC236}">
-                <a16:creationId xmlns:a16="http://schemas.microsoft.com/office/drawing/2014/main" id="{18A9FE63-46E9-59ED-47EA-D7628F0F26A3}"/>
+                <a16:creationId xmlns:a16="http://schemas.microsoft.com/office/drawing/2014/main" id="{06CB0347-4577-1581-25B1-E352279A3F88}"/>
               </a:ext>
             </a:extLst>
           </p:cNvPr>
           <p:cNvCxnSpPr>
             <a:cxnSpLocks/>
-            <a:endCxn id="37" idx="3"/>
           </p:cNvCxnSpPr>
           <p:nvPr/>
         </p:nvCxnSpPr>
         <p:spPr>
           <a:xfrm flipH="1">
-            <a:off x="4575386" y="1172283"/>
-            <a:ext cx="4098317" cy="1"/>
+            <a:off x="3784321" y="1174554"/>
+            <a:ext cx="3506515" cy="0"/>
           </a:xfrm>
           <a:prstGeom prst="straightConnector1">
             <a:avLst/>
@@ -4651,7 +4653,7 @@
           <p:cNvPr id="52" name="文本框 51">
             <a:extLst>
               <a:ext uri="{FF2B5EF4-FFF2-40B4-BE49-F238E27FC236}">
-                <a16:creationId xmlns:a16="http://schemas.microsoft.com/office/drawing/2014/main" id="{5C00ECA0-C8C0-94AC-2AC9-577C7FA89A04}"/>
+                <a16:creationId xmlns:a16="http://schemas.microsoft.com/office/drawing/2014/main" id="{8AA1C38F-A8FE-A23A-46F0-FF6AF9CFBDC3}"/>
               </a:ext>
             </a:extLst>
           </p:cNvPr>
@@ -4660,8 +4662,8 @@
         </p:nvSpPr>
         <p:spPr>
           <a:xfrm>
-            <a:off x="5947015" y="718344"/>
-            <a:ext cx="1351652" cy="307777"/>
+            <a:off x="4704032" y="660442"/>
+            <a:ext cx="1518364" cy="338554"/>
           </a:xfrm>
           <a:prstGeom prst="rect">
             <a:avLst/>
@@ -4675,21 +4677,21 @@
           <a:lstStyle/>
           <a:p>
             <a:r>
-              <a:rPr kumimoji="1" lang="zh-SG" altLang="en-US" sz="1400" dirty="0">
+              <a:rPr kumimoji="1" lang="zh-SG" altLang="en-US" sz="1600" dirty="0">
                 <a:latin typeface="KaiTi" panose="02010609060101010101" pitchFamily="49" charset="-122"/>
                 <a:ea typeface="KaiTi" panose="02010609060101010101" pitchFamily="49" charset="-122"/>
               </a:rPr>
               <a:t>决策</a:t>
             </a:r>
             <a:r>
-              <a:rPr kumimoji="1" lang="en-US" altLang="zh-SG" sz="1400" dirty="0">
+              <a:rPr kumimoji="1" lang="en-US" altLang="zh-SG" sz="1600" dirty="0">
                 <a:latin typeface="KaiTi" panose="02010609060101010101" pitchFamily="49" charset="-122"/>
                 <a:ea typeface="KaiTi" panose="02010609060101010101" pitchFamily="49" charset="-122"/>
               </a:rPr>
               <a:t>,</a:t>
             </a:r>
             <a:r>
-              <a:rPr kumimoji="1" lang="zh-SG" altLang="en-US" sz="1400" dirty="0">
+              <a:rPr kumimoji="1" lang="zh-SG" altLang="en-US" sz="1600" dirty="0">
                 <a:latin typeface="KaiTi" panose="02010609060101010101" pitchFamily="49" charset="-122"/>
                 <a:ea typeface="KaiTi" panose="02010609060101010101" pitchFamily="49" charset="-122"/>
               </a:rPr>
@@ -4698,12 +4700,54 @@
           </a:p>
         </p:txBody>
       </p:sp>
+      <p:sp>
+        <p:nvSpPr>
+          <p:cNvPr id="31" name="文本框 30">
+            <a:extLst>
+              <a:ext uri="{FF2B5EF4-FFF2-40B4-BE49-F238E27FC236}">
+                <a16:creationId xmlns:a16="http://schemas.microsoft.com/office/drawing/2014/main" id="{7554DADA-ABC5-71C6-0ADF-F74FC7890411}"/>
+              </a:ext>
+            </a:extLst>
+          </p:cNvPr>
+          <p:cNvSpPr txBox="1"/>
+          <p:nvPr/>
+        </p:nvSpPr>
+        <p:spPr>
+          <a:xfrm>
+            <a:off x="5053839" y="75764"/>
+            <a:ext cx="803425" cy="461665"/>
+          </a:xfrm>
+          <a:prstGeom prst="rect">
+            <a:avLst/>
+          </a:prstGeom>
+          <a:noFill/>
+        </p:spPr>
+        <p:txBody>
+          <a:bodyPr wrap="none" rtlCol="0">
+            <a:spAutoFit/>
+          </a:bodyPr>
+          <a:lstStyle/>
+          <a:p>
+            <a:r>
+              <a:rPr kumimoji="1" lang="zh-SG" altLang="en-US" sz="2400" b="1">
+                <a:latin typeface="SimHei" panose="02010609060101010101" pitchFamily="49" charset="-122"/>
+                <a:ea typeface="SimHei" panose="02010609060101010101" pitchFamily="49" charset="-122"/>
+              </a:rPr>
+              <a:t>市场</a:t>
+            </a:r>
+            <a:endParaRPr kumimoji="1" lang="zh-SG" altLang="en-US" sz="2400" b="1" dirty="0">
+              <a:latin typeface="SimHei" panose="02010609060101010101" pitchFamily="49" charset="-122"/>
+              <a:ea typeface="SimHei" panose="02010609060101010101" pitchFamily="49" charset="-122"/>
+            </a:endParaRPr>
+          </a:p>
+        </p:txBody>
+      </p:sp>
       <p:grpSp>
         <p:nvGrpSpPr>
-          <p:cNvPr id="56" name="组合 55">
-            <a:extLst>
-              <a:ext uri="{FF2B5EF4-FFF2-40B4-BE49-F238E27FC236}">
-                <a16:creationId xmlns:a16="http://schemas.microsoft.com/office/drawing/2014/main" id="{39AC7D82-C4BB-1444-9C7F-1A5482C74B59}"/>
+          <p:cNvPr id="32" name="组合 31">
+            <a:extLst>
+              <a:ext uri="{FF2B5EF4-FFF2-40B4-BE49-F238E27FC236}">
+                <a16:creationId xmlns:a16="http://schemas.microsoft.com/office/drawing/2014/main" id="{7637ED4A-2815-95C6-67A5-956A305D9DA0}"/>
               </a:ext>
             </a:extLst>
           </p:cNvPr>
@@ -4712,510 +4756,70 @@
         </p:nvGrpSpPr>
         <p:grpSpPr>
           <a:xfrm>
-            <a:off x="1880130" y="197206"/>
-            <a:ext cx="2938408" cy="3113070"/>
-            <a:chOff x="740052" y="2016332"/>
-            <a:chExt cx="2938408" cy="3113070"/>
+            <a:off x="329013" y="605763"/>
+            <a:ext cx="3128467" cy="1139998"/>
+            <a:chOff x="1927547" y="1974114"/>
+            <a:chExt cx="2596510" cy="878691"/>
           </a:xfrm>
         </p:grpSpPr>
-        <p:grpSp>
-          <p:nvGrpSpPr>
-            <p:cNvPr id="48" name="组合 47">
+        <p:sp>
+          <p:nvSpPr>
+            <p:cNvPr id="37" name="圆角矩形 36">
               <a:extLst>
                 <a:ext uri="{FF2B5EF4-FFF2-40B4-BE49-F238E27FC236}">
-                  <a16:creationId xmlns:a16="http://schemas.microsoft.com/office/drawing/2014/main" id="{1D9B84A5-19DA-0A4D-5C69-5F528601BE09}"/>
+                  <a16:creationId xmlns:a16="http://schemas.microsoft.com/office/drawing/2014/main" id="{3C1B5AA7-7301-3EBD-5045-F5D6F166E97A}"/>
                 </a:ext>
               </a:extLst>
             </p:cNvPr>
-            <p:cNvGrpSpPr/>
+            <p:cNvSpPr/>
             <p:nvPr/>
-          </p:nvGrpSpPr>
-          <p:grpSpPr>
+          </p:nvSpPr>
+          <p:spPr>
             <a:xfrm>
-              <a:off x="740052" y="2016332"/>
-              <a:ext cx="2938408" cy="3113070"/>
-              <a:chOff x="3652772" y="3645975"/>
-              <a:chExt cx="2938408" cy="3113070"/>
+              <a:off x="2044556" y="1974114"/>
+              <a:ext cx="2479501" cy="878691"/>
             </a:xfrm>
-          </p:grpSpPr>
-          <p:grpSp>
-            <p:nvGrpSpPr>
-              <p:cNvPr id="29" name="组合 28">
-                <a:extLst>
-                  <a:ext uri="{FF2B5EF4-FFF2-40B4-BE49-F238E27FC236}">
-                    <a16:creationId xmlns:a16="http://schemas.microsoft.com/office/drawing/2014/main" id="{6851EC19-27DE-1661-7F35-EE1BEB965AE4}"/>
-                  </a:ext>
-                </a:extLst>
-              </p:cNvPr>
-              <p:cNvGrpSpPr/>
-              <p:nvPr/>
-            </p:nvGrpSpPr>
-            <p:grpSpPr>
-              <a:xfrm>
-                <a:off x="3652772" y="3645975"/>
-                <a:ext cx="2938408" cy="3113070"/>
-                <a:chOff x="1828801" y="1438382"/>
-                <a:chExt cx="2938408" cy="3113070"/>
-              </a:xfrm>
-            </p:grpSpPr>
-            <p:sp>
-              <p:nvSpPr>
-                <p:cNvPr id="30" name="圆角矩形 29">
-                  <a:extLst>
-                    <a:ext uri="{FF2B5EF4-FFF2-40B4-BE49-F238E27FC236}">
-                      <a16:creationId xmlns:a16="http://schemas.microsoft.com/office/drawing/2014/main" id="{F26CAC8E-6A5D-B192-08D3-3CFE89A5F346}"/>
-                    </a:ext>
-                  </a:extLst>
-                </p:cNvPr>
-                <p:cNvSpPr/>
-                <p:nvPr/>
-              </p:nvSpPr>
-              <p:spPr>
-                <a:xfrm>
-                  <a:off x="1828801" y="1438382"/>
-                  <a:ext cx="2938408" cy="3113070"/>
-                </a:xfrm>
-                <a:prstGeom prst="roundRect">
-                  <a:avLst/>
-                </a:prstGeom>
-                <a:noFill/>
-              </p:spPr>
-              <p:style>
-                <a:lnRef idx="2">
-                  <a:schemeClr val="accent1">
-                    <a:shade val="15000"/>
-                  </a:schemeClr>
-                </a:lnRef>
-                <a:fillRef idx="1">
-                  <a:schemeClr val="accent1"/>
-                </a:fillRef>
-                <a:effectRef idx="0">
-                  <a:schemeClr val="accent1"/>
-                </a:effectRef>
-                <a:fontRef idx="minor">
-                  <a:schemeClr val="lt1"/>
-                </a:fontRef>
-              </p:style>
-              <p:txBody>
-                <a:bodyPr rtlCol="0" anchor="ctr"/>
-                <a:lstStyle/>
-                <a:p>
-                  <a:pPr algn="ctr"/>
-                  <a:endParaRPr kumimoji="1" lang="zh-SG" altLang="en-US"/>
-                </a:p>
-              </p:txBody>
-            </p:sp>
-            <p:sp>
-              <p:nvSpPr>
-                <p:cNvPr id="31" name="文本框 30">
-                  <a:extLst>
-                    <a:ext uri="{FF2B5EF4-FFF2-40B4-BE49-F238E27FC236}">
-                      <a16:creationId xmlns:a16="http://schemas.microsoft.com/office/drawing/2014/main" id="{2FCF0208-924D-EE68-334C-E7B306DEE8A8}"/>
-                    </a:ext>
-                  </a:extLst>
-                </p:cNvPr>
-                <p:cNvSpPr txBox="1"/>
-                <p:nvPr/>
-              </p:nvSpPr>
-              <p:spPr>
-                <a:xfrm>
-                  <a:off x="2513175" y="1521582"/>
-                  <a:ext cx="1598515" cy="369332"/>
-                </a:xfrm>
-                <a:prstGeom prst="rect">
-                  <a:avLst/>
-                </a:prstGeom>
-                <a:noFill/>
-              </p:spPr>
-              <p:txBody>
-                <a:bodyPr wrap="none" rtlCol="0">
-                  <a:spAutoFit/>
-                </a:bodyPr>
-                <a:lstStyle/>
-                <a:p>
-                  <a:r>
-                    <a:rPr kumimoji="1" lang="zh-SG" altLang="en-US" b="1" dirty="0">
-                      <a:latin typeface="SimHei" panose="02010609060101010101" pitchFamily="49" charset="-122"/>
-                      <a:ea typeface="SimHei" panose="02010609060101010101" pitchFamily="49" charset="-122"/>
-                    </a:rPr>
-                    <a:t>市场结构模块</a:t>
-                  </a:r>
-                </a:p>
-              </p:txBody>
-            </p:sp>
-            <p:grpSp>
-              <p:nvGrpSpPr>
-                <p:cNvPr id="32" name="组合 31">
-                  <a:extLst>
-                    <a:ext uri="{FF2B5EF4-FFF2-40B4-BE49-F238E27FC236}">
-                      <a16:creationId xmlns:a16="http://schemas.microsoft.com/office/drawing/2014/main" id="{4CBB6CCD-5D3D-3E9E-4256-DAC31A480B5D}"/>
-                    </a:ext>
-                  </a:extLst>
-                </p:cNvPr>
-                <p:cNvGrpSpPr/>
-                <p:nvPr/>
-              </p:nvGrpSpPr>
-              <p:grpSpPr>
-                <a:xfrm>
-                  <a:off x="1927547" y="1974114"/>
-                  <a:ext cx="2596510" cy="878691"/>
-                  <a:chOff x="1927547" y="1974114"/>
-                  <a:chExt cx="2596510" cy="878691"/>
-                </a:xfrm>
-              </p:grpSpPr>
-              <p:sp>
-                <p:nvSpPr>
-                  <p:cNvPr id="37" name="圆角矩形 36">
-                    <a:extLst>
-                      <a:ext uri="{FF2B5EF4-FFF2-40B4-BE49-F238E27FC236}">
-                        <a16:creationId xmlns:a16="http://schemas.microsoft.com/office/drawing/2014/main" id="{3723E621-FFD9-949D-E232-ED29C8F54261}"/>
-                      </a:ext>
-                    </a:extLst>
-                  </p:cNvPr>
-                  <p:cNvSpPr/>
-                  <p:nvPr/>
-                </p:nvSpPr>
-                <p:spPr>
-                  <a:xfrm>
-                    <a:off x="2044556" y="1974114"/>
-                    <a:ext cx="2479501" cy="878691"/>
-                  </a:xfrm>
-                  <a:prstGeom prst="roundRect">
-                    <a:avLst/>
-                  </a:prstGeom>
-                  <a:noFill/>
-                  <a:ln>
-                    <a:solidFill>
-                      <a:schemeClr val="accent5"/>
-                    </a:solidFill>
-                  </a:ln>
-                </p:spPr>
-                <p:style>
-                  <a:lnRef idx="2">
-                    <a:schemeClr val="accent1">
-                      <a:shade val="15000"/>
-                    </a:schemeClr>
-                  </a:lnRef>
-                  <a:fillRef idx="1">
-                    <a:schemeClr val="accent1"/>
-                  </a:fillRef>
-                  <a:effectRef idx="0">
-                    <a:schemeClr val="accent1"/>
-                  </a:effectRef>
-                  <a:fontRef idx="minor">
-                    <a:schemeClr val="lt1"/>
-                  </a:fontRef>
-                </p:style>
-                <p:txBody>
-                  <a:bodyPr rtlCol="0" anchor="ctr"/>
-                  <a:lstStyle/>
-                  <a:p>
-                    <a:pPr algn="ctr"/>
-                    <a:endParaRPr kumimoji="1" lang="zh-SG" altLang="en-US"/>
-                  </a:p>
-                </p:txBody>
-              </p:sp>
-              <p:sp>
-                <p:nvSpPr>
-                  <p:cNvPr id="38" name="文本框 37">
-                    <a:extLst>
-                      <a:ext uri="{FF2B5EF4-FFF2-40B4-BE49-F238E27FC236}">
-                        <a16:creationId xmlns:a16="http://schemas.microsoft.com/office/drawing/2014/main" id="{9DB76BBA-257E-1E7D-7925-523249DBF1E7}"/>
-                      </a:ext>
-                    </a:extLst>
-                  </p:cNvPr>
-                  <p:cNvSpPr txBox="1"/>
-                  <p:nvPr/>
-                </p:nvSpPr>
-                <p:spPr>
-                  <a:xfrm>
-                    <a:off x="1927547" y="2259569"/>
-                    <a:ext cx="1171255" cy="307777"/>
-                  </a:xfrm>
-                  <a:prstGeom prst="rect">
-                    <a:avLst/>
-                  </a:prstGeom>
-                  <a:noFill/>
-                </p:spPr>
-                <p:txBody>
-                  <a:bodyPr wrap="square" rtlCol="0">
-                    <a:spAutoFit/>
-                  </a:bodyPr>
-                  <a:lstStyle/>
-                  <a:p>
-                    <a:pPr algn="ctr"/>
-                    <a:r>
-                      <a:rPr kumimoji="1" lang="zh-SG" altLang="en-US" sz="1400" b="1" dirty="0">
-                        <a:latin typeface="KaiTi" panose="02010609060101010101" pitchFamily="49" charset="-122"/>
-                        <a:ea typeface="KaiTi" panose="02010609060101010101" pitchFamily="49" charset="-122"/>
-                      </a:rPr>
-                      <a:t>订单簿</a:t>
-                    </a:r>
-                    <a:endParaRPr kumimoji="1" lang="en-US" altLang="zh-SG" sz="1400" dirty="0">
-                      <a:latin typeface="KaiTi" panose="02010609060101010101" pitchFamily="49" charset="-122"/>
-                      <a:ea typeface="KaiTi" panose="02010609060101010101" pitchFamily="49" charset="-122"/>
-                    </a:endParaRPr>
-                  </a:p>
-                </p:txBody>
-              </p:sp>
-              <p:sp>
-                <p:nvSpPr>
-                  <p:cNvPr id="39" name="文本框 38">
-                    <a:extLst>
-                      <a:ext uri="{FF2B5EF4-FFF2-40B4-BE49-F238E27FC236}">
-                        <a16:creationId xmlns:a16="http://schemas.microsoft.com/office/drawing/2014/main" id="{612FAEA0-55AC-4FDD-E76E-319BA40C3F17}"/>
-                      </a:ext>
-                    </a:extLst>
-                  </p:cNvPr>
-                  <p:cNvSpPr txBox="1"/>
-                  <p:nvPr/>
-                </p:nvSpPr>
-                <p:spPr>
-                  <a:xfrm>
-                    <a:off x="2913204" y="2182626"/>
-                    <a:ext cx="1516321" cy="461665"/>
-                  </a:xfrm>
-                  <a:prstGeom prst="rect">
-                    <a:avLst/>
-                  </a:prstGeom>
-                  <a:noFill/>
-                </p:spPr>
-                <p:txBody>
-                  <a:bodyPr wrap="square" rtlCol="0">
-                    <a:spAutoFit/>
-                  </a:bodyPr>
-                  <a:lstStyle/>
-                  <a:p>
-                    <a:pPr marL="171450" indent="-171450">
-                      <a:buClr>
-                        <a:schemeClr val="accent5"/>
-                      </a:buClr>
-                      <a:buFont typeface="Arial" panose="020B0604020202020204" pitchFamily="34" charset="0"/>
-                      <a:buChar char="•"/>
-                    </a:pPr>
-                    <a:r>
-                      <a:rPr kumimoji="1" lang="zh-SG" altLang="en-US" sz="1200" dirty="0">
-                        <a:latin typeface="KaiTi" panose="02010609060101010101" pitchFamily="49" charset="-122"/>
-                        <a:ea typeface="KaiTi" panose="02010609060101010101" pitchFamily="49" charset="-122"/>
-                      </a:rPr>
-                      <a:t>管理订单</a:t>
-                    </a:r>
-                    <a:endParaRPr kumimoji="1" lang="en-US" altLang="zh-SG" sz="1200" dirty="0">
-                      <a:latin typeface="KaiTi" panose="02010609060101010101" pitchFamily="49" charset="-122"/>
-                      <a:ea typeface="KaiTi" panose="02010609060101010101" pitchFamily="49" charset="-122"/>
-                    </a:endParaRPr>
-                  </a:p>
-                  <a:p>
-                    <a:pPr marL="171450" indent="-171450">
-                      <a:buClr>
-                        <a:schemeClr val="accent5"/>
-                      </a:buClr>
-                      <a:buFont typeface="Arial" panose="020B0604020202020204" pitchFamily="34" charset="0"/>
-                      <a:buChar char="•"/>
-                    </a:pPr>
-                    <a:r>
-                      <a:rPr kumimoji="1" lang="zh-SG" altLang="en-US" sz="1200" dirty="0">
-                        <a:latin typeface="KaiTi" panose="02010609060101010101" pitchFamily="49" charset="-122"/>
-                        <a:ea typeface="KaiTi" panose="02010609060101010101" pitchFamily="49" charset="-122"/>
-                      </a:rPr>
-                      <a:t>处理新订单</a:t>
-                    </a:r>
-                    <a:endParaRPr kumimoji="1" lang="en-US" altLang="zh-SG" sz="1200" dirty="0">
-                      <a:latin typeface="KaiTi" panose="02010609060101010101" pitchFamily="49" charset="-122"/>
-                      <a:ea typeface="KaiTi" panose="02010609060101010101" pitchFamily="49" charset="-122"/>
-                    </a:endParaRPr>
-                  </a:p>
-                </p:txBody>
-              </p:sp>
-            </p:grpSp>
-          </p:grpSp>
-          <p:sp>
-            <p:nvSpPr>
-              <p:cNvPr id="41" name="圆角矩形 40">
-                <a:extLst>
-                  <a:ext uri="{FF2B5EF4-FFF2-40B4-BE49-F238E27FC236}">
-                    <a16:creationId xmlns:a16="http://schemas.microsoft.com/office/drawing/2014/main" id="{FD78F452-035F-C43B-603E-56C73B9D9AE2}"/>
-                  </a:ext>
-                </a:extLst>
-              </p:cNvPr>
-              <p:cNvSpPr/>
-              <p:nvPr/>
-            </p:nvSpPr>
-            <p:spPr>
-              <a:xfrm>
-                <a:off x="3882225" y="5545266"/>
-                <a:ext cx="2479501" cy="878691"/>
-              </a:xfrm>
-              <a:prstGeom prst="roundRect">
-                <a:avLst/>
-              </a:prstGeom>
-              <a:noFill/>
-              <a:ln>
-                <a:solidFill>
-                  <a:schemeClr val="accent5"/>
-                </a:solidFill>
-              </a:ln>
-            </p:spPr>
-            <p:style>
-              <a:lnRef idx="2">
-                <a:schemeClr val="accent1">
-                  <a:shade val="15000"/>
-                </a:schemeClr>
-              </a:lnRef>
-              <a:fillRef idx="1">
-                <a:schemeClr val="accent1"/>
-              </a:fillRef>
-              <a:effectRef idx="0">
-                <a:schemeClr val="accent1"/>
-              </a:effectRef>
-              <a:fontRef idx="minor">
-                <a:schemeClr val="lt1"/>
-              </a:fontRef>
-            </p:style>
-            <p:txBody>
-              <a:bodyPr rtlCol="0" anchor="ctr"/>
-              <a:lstStyle/>
-              <a:p>
-                <a:pPr algn="ctr"/>
-                <a:endParaRPr kumimoji="1" lang="zh-SG" altLang="en-US"/>
-              </a:p>
-            </p:txBody>
-          </p:sp>
-          <p:sp>
-            <p:nvSpPr>
-              <p:cNvPr id="42" name="文本框 41">
-                <a:extLst>
-                  <a:ext uri="{FF2B5EF4-FFF2-40B4-BE49-F238E27FC236}">
-                    <a16:creationId xmlns:a16="http://schemas.microsoft.com/office/drawing/2014/main" id="{ACAE760E-29CE-5844-8B36-898558C1931C}"/>
-                  </a:ext>
-                </a:extLst>
-              </p:cNvPr>
-              <p:cNvSpPr txBox="1"/>
-              <p:nvPr/>
-            </p:nvSpPr>
-            <p:spPr>
-              <a:xfrm>
-                <a:off x="3751518" y="5830722"/>
-                <a:ext cx="1171255" cy="307777"/>
-              </a:xfrm>
-              <a:prstGeom prst="rect">
-                <a:avLst/>
-              </a:prstGeom>
-              <a:noFill/>
-            </p:spPr>
-            <p:txBody>
-              <a:bodyPr wrap="square" rtlCol="0">
-                <a:spAutoFit/>
-              </a:bodyPr>
-              <a:lstStyle/>
-              <a:p>
-                <a:pPr algn="ctr"/>
-                <a:r>
-                  <a:rPr kumimoji="1" lang="zh-SG" altLang="en-US" sz="1400" b="1" dirty="0">
-                    <a:latin typeface="KaiTi" panose="02010609060101010101" pitchFamily="49" charset="-122"/>
-                    <a:ea typeface="KaiTi" panose="02010609060101010101" pitchFamily="49" charset="-122"/>
-                  </a:rPr>
-                  <a:t>价格生成</a:t>
-                </a:r>
-                <a:endParaRPr kumimoji="1" lang="en-US" altLang="zh-SG" sz="1400" dirty="0">
-                  <a:latin typeface="KaiTi" panose="02010609060101010101" pitchFamily="49" charset="-122"/>
-                  <a:ea typeface="KaiTi" panose="02010609060101010101" pitchFamily="49" charset="-122"/>
-                </a:endParaRPr>
-              </a:p>
-            </p:txBody>
-          </p:sp>
-          <p:cxnSp>
-            <p:nvCxnSpPr>
-              <p:cNvPr id="46" name="直线箭头连接符 45">
-                <a:extLst>
-                  <a:ext uri="{FF2B5EF4-FFF2-40B4-BE49-F238E27FC236}">
-                    <a16:creationId xmlns:a16="http://schemas.microsoft.com/office/drawing/2014/main" id="{D4DA9DD3-E207-ED1E-A036-FC1D4F435F17}"/>
-                  </a:ext>
-                </a:extLst>
-              </p:cNvPr>
-              <p:cNvCxnSpPr>
-                <a:stCxn id="39" idx="2"/>
-              </p:cNvCxnSpPr>
-              <p:nvPr/>
-            </p:nvCxnSpPr>
-            <p:spPr>
-              <a:xfrm flipH="1">
-                <a:off x="5495335" y="4851884"/>
-                <a:ext cx="1" cy="866164"/>
-              </a:xfrm>
-              <a:prstGeom prst="straightConnector1">
-                <a:avLst/>
-              </a:prstGeom>
-              <a:ln w="38100">
-                <a:solidFill>
-                  <a:schemeClr val="tx2">
-                    <a:lumMod val="50000"/>
-                    <a:lumOff val="50000"/>
-                  </a:schemeClr>
-                </a:solidFill>
-                <a:tailEnd type="triangle"/>
-              </a:ln>
-            </p:spPr>
-            <p:style>
-              <a:lnRef idx="2">
-                <a:schemeClr val="accent1"/>
-              </a:lnRef>
-              <a:fillRef idx="0">
-                <a:schemeClr val="accent1"/>
-              </a:fillRef>
-              <a:effectRef idx="1">
-                <a:schemeClr val="accent1"/>
-              </a:effectRef>
-              <a:fontRef idx="minor">
-                <a:schemeClr val="tx1"/>
-              </a:fontRef>
-            </p:style>
-          </p:cxnSp>
-          <p:sp>
-            <p:nvSpPr>
-              <p:cNvPr id="47" name="文本框 46">
-                <a:extLst>
-                  <a:ext uri="{FF2B5EF4-FFF2-40B4-BE49-F238E27FC236}">
-                    <a16:creationId xmlns:a16="http://schemas.microsoft.com/office/drawing/2014/main" id="{147C0F23-B670-9B31-BC8C-EDECD0354B2E}"/>
-                  </a:ext>
-                </a:extLst>
-              </p:cNvPr>
-              <p:cNvSpPr txBox="1"/>
-              <p:nvPr/>
-            </p:nvSpPr>
-            <p:spPr>
-              <a:xfrm>
-                <a:off x="4233451" y="5159156"/>
-                <a:ext cx="1261884" cy="307777"/>
-              </a:xfrm>
-              <a:prstGeom prst="rect">
-                <a:avLst/>
-              </a:prstGeom>
-              <a:noFill/>
-            </p:spPr>
-            <p:txBody>
-              <a:bodyPr wrap="none" rtlCol="0">
-                <a:spAutoFit/>
-              </a:bodyPr>
-              <a:lstStyle/>
-              <a:p>
-                <a:r>
-                  <a:rPr kumimoji="1" lang="zh-SG" altLang="en-US" sz="1400" dirty="0">
-                    <a:latin typeface="KaiTi" panose="02010609060101010101" pitchFamily="49" charset="-122"/>
-                    <a:ea typeface="KaiTi" panose="02010609060101010101" pitchFamily="49" charset="-122"/>
-                  </a:rPr>
-                  <a:t>更新市场状态</a:t>
-                </a:r>
-              </a:p>
-            </p:txBody>
-          </p:sp>
-        </p:grpSp>
+            <a:prstGeom prst="roundRect">
+              <a:avLst/>
+            </a:prstGeom>
+            <a:noFill/>
+            <a:ln>
+              <a:solidFill>
+                <a:schemeClr val="accent5"/>
+              </a:solidFill>
+            </a:ln>
+          </p:spPr>
+          <p:style>
+            <a:lnRef idx="2">
+              <a:schemeClr val="accent1">
+                <a:shade val="15000"/>
+              </a:schemeClr>
+            </a:lnRef>
+            <a:fillRef idx="1">
+              <a:schemeClr val="accent1"/>
+            </a:fillRef>
+            <a:effectRef idx="0">
+              <a:schemeClr val="accent1"/>
+            </a:effectRef>
+            <a:fontRef idx="minor">
+              <a:schemeClr val="lt1"/>
+            </a:fontRef>
+          </p:style>
+          <p:txBody>
+            <a:bodyPr rtlCol="0" anchor="ctr"/>
+            <a:lstStyle/>
+            <a:p>
+              <a:pPr algn="ctr"/>
+              <a:endParaRPr kumimoji="1" lang="zh-SG" altLang="en-US" sz="2000"/>
+            </a:p>
+          </p:txBody>
+        </p:sp>
         <p:sp>
           <p:nvSpPr>
-            <p:cNvPr id="54" name="文本框 53">
+            <p:cNvPr id="38" name="文本框 37">
               <a:extLst>
                 <a:ext uri="{FF2B5EF4-FFF2-40B4-BE49-F238E27FC236}">
-                  <a16:creationId xmlns:a16="http://schemas.microsoft.com/office/drawing/2014/main" id="{965652E9-2E45-DA49-171E-EBE50A88FFCB}"/>
+                  <a16:creationId xmlns:a16="http://schemas.microsoft.com/office/drawing/2014/main" id="{A22EF734-D435-AAA2-2E22-FEB3C67005FB}"/>
                 </a:ext>
               </a:extLst>
             </p:cNvPr>
@@ -5224,8 +4828,51 @@
           </p:nvSpPr>
           <p:spPr>
             <a:xfrm>
-              <a:off x="1823780" y="4109609"/>
-              <a:ext cx="1608122" cy="646331"/>
+              <a:off x="1927547" y="2259569"/>
+              <a:ext cx="1171255" cy="338554"/>
+            </a:xfrm>
+            <a:prstGeom prst="rect">
+              <a:avLst/>
+            </a:prstGeom>
+            <a:noFill/>
+          </p:spPr>
+          <p:txBody>
+            <a:bodyPr wrap="square" rtlCol="0">
+              <a:spAutoFit/>
+            </a:bodyPr>
+            <a:lstStyle/>
+            <a:p>
+              <a:pPr algn="ctr"/>
+              <a:r>
+                <a:rPr kumimoji="1" lang="zh-SG" altLang="en-US" sz="1600" b="1" dirty="0">
+                  <a:latin typeface="KaiTi" panose="02010609060101010101" pitchFamily="49" charset="-122"/>
+                  <a:ea typeface="KaiTi" panose="02010609060101010101" pitchFamily="49" charset="-122"/>
+                </a:rPr>
+                <a:t>订单簿</a:t>
+              </a:r>
+              <a:endParaRPr kumimoji="1" lang="en-US" altLang="zh-SG" sz="1600" dirty="0">
+                <a:latin typeface="KaiTi" panose="02010609060101010101" pitchFamily="49" charset="-122"/>
+                <a:ea typeface="KaiTi" panose="02010609060101010101" pitchFamily="49" charset="-122"/>
+              </a:endParaRPr>
+            </a:p>
+          </p:txBody>
+        </p:sp>
+        <p:sp>
+          <p:nvSpPr>
+            <p:cNvPr id="39" name="文本框 38">
+              <a:extLst>
+                <a:ext uri="{FF2B5EF4-FFF2-40B4-BE49-F238E27FC236}">
+                  <a16:creationId xmlns:a16="http://schemas.microsoft.com/office/drawing/2014/main" id="{A51C9504-FC15-44B7-151D-DF9DAFBC49EC}"/>
+                </a:ext>
+              </a:extLst>
+            </p:cNvPr>
+            <p:cNvSpPr txBox="1"/>
+            <p:nvPr/>
+          </p:nvSpPr>
+          <p:spPr>
+            <a:xfrm>
+              <a:off x="2866797" y="2177561"/>
+              <a:ext cx="1516321" cy="584775"/>
             </a:xfrm>
             <a:prstGeom prst="rect">
               <a:avLst/>
@@ -5246,13 +4893,13 @@
                 <a:buChar char="•"/>
               </a:pPr>
               <a:r>
-                <a:rPr kumimoji="1" lang="zh-SG" altLang="en-US" sz="1200" dirty="0">
+                <a:rPr kumimoji="1" lang="zh-SG" altLang="en-US" sz="1600" dirty="0">
                   <a:latin typeface="KaiTi" panose="02010609060101010101" pitchFamily="49" charset="-122"/>
                   <a:ea typeface="KaiTi" panose="02010609060101010101" pitchFamily="49" charset="-122"/>
                 </a:rPr>
-                <a:t>更新当前市场价格</a:t>
+                <a:t>管理订单</a:t>
               </a:r>
-              <a:endParaRPr kumimoji="1" lang="en-US" altLang="zh-SG" sz="1200" dirty="0">
+              <a:endParaRPr kumimoji="1" lang="en-US" altLang="zh-SG" sz="1600" dirty="0">
                 <a:latin typeface="KaiTi" panose="02010609060101010101" pitchFamily="49" charset="-122"/>
                 <a:ea typeface="KaiTi" panose="02010609060101010101" pitchFamily="49" charset="-122"/>
               </a:endParaRPr>
@@ -5266,13 +4913,13 @@
                 <a:buChar char="•"/>
               </a:pPr>
               <a:r>
-                <a:rPr kumimoji="1" lang="zh-SG" altLang="en-US" sz="1200" dirty="0">
+                <a:rPr kumimoji="1" lang="zh-SG" altLang="en-US" sz="1600" dirty="0">
                   <a:latin typeface="KaiTi" panose="02010609060101010101" pitchFamily="49" charset="-122"/>
                   <a:ea typeface="KaiTi" panose="02010609060101010101" pitchFamily="49" charset="-122"/>
                 </a:rPr>
-                <a:t>股票基本价值保持几何布朗运动</a:t>
+                <a:t>处理新订单</a:t>
               </a:r>
-              <a:endParaRPr kumimoji="1" lang="en-US" altLang="zh-SG" sz="1200" dirty="0">
+              <a:endParaRPr kumimoji="1" lang="en-US" altLang="zh-SG" sz="1600" dirty="0">
                 <a:latin typeface="KaiTi" panose="02010609060101010101" pitchFamily="49" charset="-122"/>
                 <a:ea typeface="KaiTi" panose="02010609060101010101" pitchFamily="49" charset="-122"/>
               </a:endParaRPr>
@@ -5282,23 +4929,24 @@
       </p:grpSp>
       <p:cxnSp>
         <p:nvCxnSpPr>
-          <p:cNvPr id="57" name="直线箭头连接符 56">
-            <a:extLst>
-              <a:ext uri="{FF2B5EF4-FFF2-40B4-BE49-F238E27FC236}">
-                <a16:creationId xmlns:a16="http://schemas.microsoft.com/office/drawing/2014/main" id="{4375AEBC-C51E-C0CF-F46E-9595BCB6935B}"/>
+          <p:cNvPr id="46" name="直线箭头连接符 45">
+            <a:extLst>
+              <a:ext uri="{FF2B5EF4-FFF2-40B4-BE49-F238E27FC236}">
+                <a16:creationId xmlns:a16="http://schemas.microsoft.com/office/drawing/2014/main" id="{443A398F-9F2F-C56B-AEC1-C373C87AEAD9}"/>
               </a:ext>
             </a:extLst>
           </p:cNvPr>
           <p:cNvCxnSpPr>
             <a:cxnSpLocks/>
-            <a:stCxn id="54" idx="3"/>
+            <a:stCxn id="37" idx="2"/>
+            <a:endCxn id="41" idx="0"/>
           </p:cNvCxnSpPr>
           <p:nvPr/>
         </p:nvCxnSpPr>
         <p:spPr>
           <a:xfrm>
-            <a:off x="4571980" y="2613649"/>
-            <a:ext cx="4101723" cy="4874"/>
+            <a:off x="1963737" y="1745761"/>
+            <a:ext cx="4032" cy="625778"/>
           </a:xfrm>
           <a:prstGeom prst="straightConnector1">
             <a:avLst/>
@@ -5330,10 +4978,10 @@
       </p:cxnSp>
       <p:sp>
         <p:nvSpPr>
-          <p:cNvPr id="58" name="文本框 57">
-            <a:extLst>
-              <a:ext uri="{FF2B5EF4-FFF2-40B4-BE49-F238E27FC236}">
-                <a16:creationId xmlns:a16="http://schemas.microsoft.com/office/drawing/2014/main" id="{D976FFDE-138A-3638-F279-AB5C671E7608}"/>
+          <p:cNvPr id="47" name="文本框 46">
+            <a:extLst>
+              <a:ext uri="{FF2B5EF4-FFF2-40B4-BE49-F238E27FC236}">
+                <a16:creationId xmlns:a16="http://schemas.microsoft.com/office/drawing/2014/main" id="{377C1F01-6F5F-9AF0-E4DE-CF1CAAA8A958}"/>
               </a:ext>
             </a:extLst>
           </p:cNvPr>
@@ -5342,8 +4990,8 @@
         </p:nvSpPr>
         <p:spPr>
           <a:xfrm>
-            <a:off x="5881114" y="2805856"/>
-            <a:ext cx="1356548" cy="523220"/>
+            <a:off x="458785" y="1866536"/>
+            <a:ext cx="1446635" cy="338554"/>
           </a:xfrm>
           <a:prstGeom prst="rect">
             <a:avLst/>
@@ -5357,7 +5005,277 @@
           <a:lstStyle/>
           <a:p>
             <a:r>
-              <a:rPr kumimoji="1" lang="zh-SG" altLang="en-US" sz="1400" dirty="0">
+              <a:rPr kumimoji="1" lang="zh-SG" altLang="en-US" sz="1600" dirty="0">
+                <a:latin typeface="KaiTi" panose="02010609060101010101" pitchFamily="49" charset="-122"/>
+                <a:ea typeface="KaiTi" panose="02010609060101010101" pitchFamily="49" charset="-122"/>
+              </a:rPr>
+              <a:t>更新市场状态</a:t>
+            </a:r>
+          </a:p>
+        </p:txBody>
+      </p:sp>
+      <p:grpSp>
+        <p:nvGrpSpPr>
+          <p:cNvPr id="43" name="组合 42">
+            <a:extLst>
+              <a:ext uri="{FF2B5EF4-FFF2-40B4-BE49-F238E27FC236}">
+                <a16:creationId xmlns:a16="http://schemas.microsoft.com/office/drawing/2014/main" id="{FD4834B7-1628-AF71-4376-7D9E279B4E8A}"/>
+              </a:ext>
+            </a:extLst>
+          </p:cNvPr>
+          <p:cNvGrpSpPr/>
+          <p:nvPr/>
+        </p:nvGrpSpPr>
+        <p:grpSpPr>
+          <a:xfrm>
+            <a:off x="458786" y="2371539"/>
+            <a:ext cx="2999378" cy="1137418"/>
+            <a:chOff x="901196" y="2149943"/>
+            <a:chExt cx="3145845" cy="1273159"/>
+          </a:xfrm>
+        </p:grpSpPr>
+        <p:sp>
+          <p:nvSpPr>
+            <p:cNvPr id="41" name="圆角矩形 40">
+              <a:extLst>
+                <a:ext uri="{FF2B5EF4-FFF2-40B4-BE49-F238E27FC236}">
+                  <a16:creationId xmlns:a16="http://schemas.microsoft.com/office/drawing/2014/main" id="{F7A8930F-B228-D0BE-7BB4-ABDE3C79533F}"/>
+                </a:ext>
+              </a:extLst>
+            </p:cNvPr>
+            <p:cNvSpPr/>
+            <p:nvPr/>
+          </p:nvSpPr>
+          <p:spPr>
+            <a:xfrm>
+              <a:off x="920691" y="2149943"/>
+              <a:ext cx="3126350" cy="1273159"/>
+            </a:xfrm>
+            <a:prstGeom prst="roundRect">
+              <a:avLst/>
+            </a:prstGeom>
+            <a:noFill/>
+            <a:ln>
+              <a:solidFill>
+                <a:schemeClr val="accent5"/>
+              </a:solidFill>
+            </a:ln>
+          </p:spPr>
+          <p:style>
+            <a:lnRef idx="2">
+              <a:schemeClr val="accent1">
+                <a:shade val="15000"/>
+              </a:schemeClr>
+            </a:lnRef>
+            <a:fillRef idx="1">
+              <a:schemeClr val="accent1"/>
+            </a:fillRef>
+            <a:effectRef idx="0">
+              <a:schemeClr val="accent1"/>
+            </a:effectRef>
+            <a:fontRef idx="minor">
+              <a:schemeClr val="lt1"/>
+            </a:fontRef>
+          </p:style>
+          <p:txBody>
+            <a:bodyPr rtlCol="0" anchor="ctr"/>
+            <a:lstStyle/>
+            <a:p>
+              <a:pPr algn="ctr"/>
+              <a:endParaRPr kumimoji="1" lang="zh-SG" altLang="en-US" sz="2000"/>
+            </a:p>
+          </p:txBody>
+        </p:sp>
+        <p:sp>
+          <p:nvSpPr>
+            <p:cNvPr id="42" name="文本框 41">
+              <a:extLst>
+                <a:ext uri="{FF2B5EF4-FFF2-40B4-BE49-F238E27FC236}">
+                  <a16:creationId xmlns:a16="http://schemas.microsoft.com/office/drawing/2014/main" id="{5388FA62-01A1-FA51-DEE9-65FF6DD46DFD}"/>
+                </a:ext>
+              </a:extLst>
+            </p:cNvPr>
+            <p:cNvSpPr txBox="1"/>
+            <p:nvPr/>
+          </p:nvSpPr>
+          <p:spPr>
+            <a:xfrm>
+              <a:off x="901196" y="2550036"/>
+              <a:ext cx="1144421" cy="378957"/>
+            </a:xfrm>
+            <a:prstGeom prst="rect">
+              <a:avLst/>
+            </a:prstGeom>
+            <a:noFill/>
+          </p:spPr>
+          <p:txBody>
+            <a:bodyPr wrap="square" rtlCol="0">
+              <a:spAutoFit/>
+            </a:bodyPr>
+            <a:lstStyle/>
+            <a:p>
+              <a:pPr algn="ctr"/>
+              <a:r>
+                <a:rPr kumimoji="1" lang="zh-SG" altLang="en-US" sz="1600" b="1" dirty="0">
+                  <a:latin typeface="KaiTi" panose="02010609060101010101" pitchFamily="49" charset="-122"/>
+                  <a:ea typeface="KaiTi" panose="02010609060101010101" pitchFamily="49" charset="-122"/>
+                </a:rPr>
+                <a:t>价格生成</a:t>
+              </a:r>
+              <a:endParaRPr kumimoji="1" lang="en-US" altLang="zh-SG" sz="1600" dirty="0">
+                <a:latin typeface="KaiTi" panose="02010609060101010101" pitchFamily="49" charset="-122"/>
+                <a:ea typeface="KaiTi" panose="02010609060101010101" pitchFamily="49" charset="-122"/>
+              </a:endParaRPr>
+            </a:p>
+          </p:txBody>
+        </p:sp>
+        <p:sp>
+          <p:nvSpPr>
+            <p:cNvPr id="54" name="文本框 53">
+              <a:extLst>
+                <a:ext uri="{FF2B5EF4-FFF2-40B4-BE49-F238E27FC236}">
+                  <a16:creationId xmlns:a16="http://schemas.microsoft.com/office/drawing/2014/main" id="{E0895B15-F240-A12D-115F-657840332DB0}"/>
+                </a:ext>
+              </a:extLst>
+            </p:cNvPr>
+            <p:cNvSpPr txBox="1"/>
+            <p:nvPr/>
+          </p:nvSpPr>
+          <p:spPr>
+            <a:xfrm>
+              <a:off x="1869278" y="2416397"/>
+              <a:ext cx="2117369" cy="830997"/>
+            </a:xfrm>
+            <a:prstGeom prst="rect">
+              <a:avLst/>
+            </a:prstGeom>
+            <a:noFill/>
+          </p:spPr>
+          <p:txBody>
+            <a:bodyPr wrap="square" rtlCol="0">
+              <a:spAutoFit/>
+            </a:bodyPr>
+            <a:lstStyle/>
+            <a:p>
+              <a:pPr marL="171450" indent="-171450">
+                <a:buClr>
+                  <a:schemeClr val="accent5"/>
+                </a:buClr>
+                <a:buFont typeface="Arial" panose="020B0604020202020204" pitchFamily="34" charset="0"/>
+                <a:buChar char="•"/>
+              </a:pPr>
+              <a:r>
+                <a:rPr kumimoji="1" lang="zh-SG" altLang="en-US" sz="1600" dirty="0">
+                  <a:latin typeface="KaiTi" panose="02010609060101010101" pitchFamily="49" charset="-122"/>
+                  <a:ea typeface="KaiTi" panose="02010609060101010101" pitchFamily="49" charset="-122"/>
+                </a:rPr>
+                <a:t>更新当前市场价格</a:t>
+              </a:r>
+              <a:endParaRPr kumimoji="1" lang="en-US" altLang="zh-SG" sz="1600" dirty="0">
+                <a:latin typeface="KaiTi" panose="02010609060101010101" pitchFamily="49" charset="-122"/>
+                <a:ea typeface="KaiTi" panose="02010609060101010101" pitchFamily="49" charset="-122"/>
+              </a:endParaRPr>
+            </a:p>
+            <a:p>
+              <a:pPr marL="171450" indent="-171450">
+                <a:buClr>
+                  <a:schemeClr val="accent5"/>
+                </a:buClr>
+                <a:buFont typeface="Arial" panose="020B0604020202020204" pitchFamily="34" charset="0"/>
+                <a:buChar char="•"/>
+              </a:pPr>
+              <a:r>
+                <a:rPr kumimoji="1" lang="zh-SG" altLang="en-US" sz="1600" dirty="0">
+                  <a:latin typeface="KaiTi" panose="02010609060101010101" pitchFamily="49" charset="-122"/>
+                  <a:ea typeface="KaiTi" panose="02010609060101010101" pitchFamily="49" charset="-122"/>
+                </a:rPr>
+                <a:t>股票基本价值保持几何布朗运动</a:t>
+              </a:r>
+              <a:endParaRPr kumimoji="1" lang="en-US" altLang="zh-SG" sz="1600" dirty="0">
+                <a:latin typeface="KaiTi" panose="02010609060101010101" pitchFamily="49" charset="-122"/>
+                <a:ea typeface="KaiTi" panose="02010609060101010101" pitchFamily="49" charset="-122"/>
+              </a:endParaRPr>
+            </a:p>
+          </p:txBody>
+        </p:sp>
+      </p:grpSp>
+      <p:cxnSp>
+        <p:nvCxnSpPr>
+          <p:cNvPr id="57" name="直线箭头连接符 56">
+            <a:extLst>
+              <a:ext uri="{FF2B5EF4-FFF2-40B4-BE49-F238E27FC236}">
+                <a16:creationId xmlns:a16="http://schemas.microsoft.com/office/drawing/2014/main" id="{86C93113-B50B-6CD1-8807-66DAB504FE77}"/>
+              </a:ext>
+            </a:extLst>
+          </p:cNvPr>
+          <p:cNvCxnSpPr>
+            <a:cxnSpLocks/>
+          </p:cNvCxnSpPr>
+          <p:nvPr/>
+        </p:nvCxnSpPr>
+        <p:spPr>
+          <a:xfrm>
+            <a:off x="3798124" y="2897044"/>
+            <a:ext cx="3508549" cy="0"/>
+          </a:xfrm>
+          <a:prstGeom prst="straightConnector1">
+            <a:avLst/>
+          </a:prstGeom>
+          <a:ln w="38100">
+            <a:solidFill>
+              <a:schemeClr val="tx2">
+                <a:lumMod val="50000"/>
+                <a:lumOff val="50000"/>
+              </a:schemeClr>
+            </a:solidFill>
+            <a:tailEnd type="triangle"/>
+          </a:ln>
+        </p:spPr>
+        <p:style>
+          <a:lnRef idx="2">
+            <a:schemeClr val="accent1"/>
+          </a:lnRef>
+          <a:fillRef idx="0">
+            <a:schemeClr val="accent1"/>
+          </a:fillRef>
+          <a:effectRef idx="1">
+            <a:schemeClr val="accent1"/>
+          </a:effectRef>
+          <a:fontRef idx="minor">
+            <a:schemeClr val="tx1"/>
+          </a:fontRef>
+        </p:style>
+      </p:cxnSp>
+      <p:sp>
+        <p:nvSpPr>
+          <p:cNvPr id="58" name="文本框 57">
+            <a:extLst>
+              <a:ext uri="{FF2B5EF4-FFF2-40B4-BE49-F238E27FC236}">
+                <a16:creationId xmlns:a16="http://schemas.microsoft.com/office/drawing/2014/main" id="{27149932-A093-2A98-A78E-2A961B3E2C00}"/>
+              </a:ext>
+            </a:extLst>
+          </p:cNvPr>
+          <p:cNvSpPr txBox="1"/>
+          <p:nvPr/>
+        </p:nvSpPr>
+        <p:spPr>
+          <a:xfrm>
+            <a:off x="4537958" y="3115641"/>
+            <a:ext cx="1477012" cy="584775"/>
+          </a:xfrm>
+          <a:prstGeom prst="rect">
+            <a:avLst/>
+          </a:prstGeom>
+          <a:noFill/>
+        </p:spPr>
+        <p:txBody>
+          <a:bodyPr wrap="square" rtlCol="0">
+            <a:spAutoFit/>
+          </a:bodyPr>
+          <a:lstStyle/>
+          <a:p>
+            <a:r>
+              <a:rPr kumimoji="1" lang="zh-SG" altLang="en-US" sz="1600" dirty="0">
                 <a:latin typeface="KaiTi" panose="02010609060101010101" pitchFamily="49" charset="-122"/>
                 <a:ea typeface="KaiTi" panose="02010609060101010101" pitchFamily="49" charset="-122"/>
               </a:rPr>
@@ -5371,7 +5289,7 @@
           <p:cNvPr id="62" name="圆角矩形 61">
             <a:extLst>
               <a:ext uri="{FF2B5EF4-FFF2-40B4-BE49-F238E27FC236}">
-                <a16:creationId xmlns:a16="http://schemas.microsoft.com/office/drawing/2014/main" id="{94BDB8FA-4108-33C8-38CF-DDBB18B858C5}"/>
+                <a16:creationId xmlns:a16="http://schemas.microsoft.com/office/drawing/2014/main" id="{FC89A534-AF2D-90A4-ECBC-BDEB08E99E5B}"/>
               </a:ext>
             </a:extLst>
           </p:cNvPr>
@@ -5380,8 +5298,8 @@
         </p:nvSpPr>
         <p:spPr>
           <a:xfrm>
-            <a:off x="9149474" y="2473197"/>
-            <a:ext cx="775835" cy="473008"/>
+            <a:off x="7820429" y="2452134"/>
+            <a:ext cx="1551087" cy="284451"/>
           </a:xfrm>
           <a:prstGeom prst="roundRect">
             <a:avLst/>
@@ -5414,63 +5332,16 @@
           <a:lstStyle/>
           <a:p>
             <a:pPr algn="ctr"/>
-            <a:endParaRPr kumimoji="1" lang="zh-SG" altLang="en-US"/>
-          </a:p>
-        </p:txBody>
-      </p:sp>
-      <p:cxnSp>
-        <p:nvCxnSpPr>
-          <p:cNvPr id="67" name="肘形连接符 66">
-            <a:extLst>
-              <a:ext uri="{FF2B5EF4-FFF2-40B4-BE49-F238E27FC236}">
-                <a16:creationId xmlns:a16="http://schemas.microsoft.com/office/drawing/2014/main" id="{2AB59BEF-602F-04A5-4592-43A863956698}"/>
-              </a:ext>
-            </a:extLst>
-          </p:cNvPr>
-          <p:cNvCxnSpPr>
-            <a:cxnSpLocks/>
-            <a:stCxn id="5" idx="0"/>
-          </p:cNvCxnSpPr>
-          <p:nvPr/>
-        </p:nvCxnSpPr>
-        <p:spPr>
-          <a:xfrm rot="16200000" flipV="1">
-            <a:off x="9587529" y="3009295"/>
-            <a:ext cx="848186" cy="223497"/>
-          </a:xfrm>
-          <a:prstGeom prst="bentConnector3">
-            <a:avLst>
-              <a:gd name="adj1" fmla="val 100310"/>
-            </a:avLst>
-          </a:prstGeom>
-          <a:ln w="31750">
-            <a:solidFill>
-              <a:schemeClr val="accent2"/>
-            </a:solidFill>
-            <a:tailEnd type="triangle"/>
-          </a:ln>
-        </p:spPr>
-        <p:style>
-          <a:lnRef idx="2">
-            <a:schemeClr val="accent1"/>
-          </a:lnRef>
-          <a:fillRef idx="0">
-            <a:schemeClr val="accent1"/>
-          </a:fillRef>
-          <a:effectRef idx="1">
-            <a:schemeClr val="accent1"/>
-          </a:effectRef>
-          <a:fontRef idx="minor">
-            <a:schemeClr val="tx1"/>
-          </a:fontRef>
-        </p:style>
-      </p:cxnSp>
+            <a:endParaRPr kumimoji="1" lang="zh-SG" altLang="en-US" sz="2000"/>
+          </a:p>
+        </p:txBody>
+      </p:sp>
       <p:grpSp>
         <p:nvGrpSpPr>
           <p:cNvPr id="69" name="组合 68">
             <a:extLst>
               <a:ext uri="{FF2B5EF4-FFF2-40B4-BE49-F238E27FC236}">
-                <a16:creationId xmlns:a16="http://schemas.microsoft.com/office/drawing/2014/main" id="{6615493F-8C0E-A0A4-CA1E-2DAEC58CD083}"/>
+                <a16:creationId xmlns:a16="http://schemas.microsoft.com/office/drawing/2014/main" id="{EF2F1037-E1D6-9AFF-1AA5-EED67BCE6101}"/>
               </a:ext>
             </a:extLst>
           </p:cNvPr>
@@ -5479,10 +5350,10 @@
         </p:nvGrpSpPr>
         <p:grpSpPr>
           <a:xfrm>
-            <a:off x="1879319" y="3588726"/>
-            <a:ext cx="2938408" cy="3113070"/>
-            <a:chOff x="740052" y="2016332"/>
-            <a:chExt cx="2938408" cy="3113070"/>
+            <a:off x="1565331" y="4019045"/>
+            <a:ext cx="3966577" cy="2625772"/>
+            <a:chOff x="740052" y="2000017"/>
+            <a:chExt cx="2996082" cy="2625772"/>
           </a:xfrm>
         </p:grpSpPr>
         <p:grpSp>
@@ -5490,7 +5361,7 @@
             <p:cNvPr id="70" name="组合 69">
               <a:extLst>
                 <a:ext uri="{FF2B5EF4-FFF2-40B4-BE49-F238E27FC236}">
-                  <a16:creationId xmlns:a16="http://schemas.microsoft.com/office/drawing/2014/main" id="{D989070D-A67C-4C53-87DB-3ADC9C53B8FE}"/>
+                  <a16:creationId xmlns:a16="http://schemas.microsoft.com/office/drawing/2014/main" id="{8B6E970C-B9E0-2953-7940-9209120D42A5}"/>
                 </a:ext>
               </a:extLst>
             </p:cNvPr>
@@ -5499,10 +5370,10 @@
           </p:nvGrpSpPr>
           <p:grpSpPr>
             <a:xfrm>
-              <a:off x="740052" y="2016332"/>
-              <a:ext cx="2938408" cy="3113070"/>
-              <a:chOff x="3652772" y="3645975"/>
-              <a:chExt cx="2938408" cy="3113070"/>
+              <a:off x="740052" y="2000017"/>
+              <a:ext cx="2996082" cy="2625772"/>
+              <a:chOff x="3652772" y="3629660"/>
+              <a:chExt cx="2996082" cy="2625772"/>
             </a:xfrm>
           </p:grpSpPr>
           <p:grpSp>
@@ -5510,7 +5381,7 @@
               <p:cNvPr id="72" name="组合 71">
                 <a:extLst>
                   <a:ext uri="{FF2B5EF4-FFF2-40B4-BE49-F238E27FC236}">
-                    <a16:creationId xmlns:a16="http://schemas.microsoft.com/office/drawing/2014/main" id="{68719D5C-7B2E-2904-4511-EA7D1EA301F1}"/>
+                    <a16:creationId xmlns:a16="http://schemas.microsoft.com/office/drawing/2014/main" id="{67853E3D-E4FA-90D5-C55C-60A35540543D}"/>
                   </a:ext>
                 </a:extLst>
               </p:cNvPr>
@@ -5519,10 +5390,10 @@
             </p:nvGrpSpPr>
             <p:grpSpPr>
               <a:xfrm>
-                <a:off x="3652772" y="3645975"/>
-                <a:ext cx="2938408" cy="3113070"/>
-                <a:chOff x="1828801" y="1438382"/>
-                <a:chExt cx="2938408" cy="3113070"/>
+                <a:off x="3652772" y="3629660"/>
+                <a:ext cx="2996082" cy="2625772"/>
+                <a:chOff x="1828801" y="1422067"/>
+                <a:chExt cx="2996082" cy="2625772"/>
               </a:xfrm>
             </p:grpSpPr>
             <p:sp>
@@ -5530,7 +5401,7 @@
                 <p:cNvPr id="77" name="圆角矩形 76">
                   <a:extLst>
                     <a:ext uri="{FF2B5EF4-FFF2-40B4-BE49-F238E27FC236}">
-                      <a16:creationId xmlns:a16="http://schemas.microsoft.com/office/drawing/2014/main" id="{10E80A4B-D206-428F-9860-2A1FC88504AD}"/>
+                      <a16:creationId xmlns:a16="http://schemas.microsoft.com/office/drawing/2014/main" id="{ECCFDE3D-78A3-AA2B-95FF-2ECF5E179021}"/>
                     </a:ext>
                   </a:extLst>
                 </p:cNvPr>
@@ -5540,7 +5411,7 @@
               <p:spPr>
                 <a:xfrm>
                   <a:off x="1828801" y="1438382"/>
-                  <a:ext cx="2938408" cy="3113070"/>
+                  <a:ext cx="2938408" cy="2609457"/>
                 </a:xfrm>
                 <a:prstGeom prst="roundRect">
                   <a:avLst/>
@@ -5582,7 +5453,7 @@
                 <p:cNvPr id="78" name="文本框 77">
                   <a:extLst>
                     <a:ext uri="{FF2B5EF4-FFF2-40B4-BE49-F238E27FC236}">
-                      <a16:creationId xmlns:a16="http://schemas.microsoft.com/office/drawing/2014/main" id="{41890D87-F2C1-03BE-4E79-A05E28800EA1}"/>
+                      <a16:creationId xmlns:a16="http://schemas.microsoft.com/office/drawing/2014/main" id="{23BE6AE4-7A25-C802-A76D-DA0AF9D51ADF}"/>
                     </a:ext>
                   </a:extLst>
                 </p:cNvPr>
@@ -5591,8 +5462,8 @@
               </p:nvSpPr>
               <p:spPr>
                 <a:xfrm>
-                  <a:off x="2513175" y="1521582"/>
-                  <a:ext cx="1598515" cy="369332"/>
+                  <a:off x="2634796" y="1422067"/>
+                  <a:ext cx="1733167" cy="400110"/>
                 </a:xfrm>
                 <a:prstGeom prst="rect">
                   <a:avLst/>
@@ -5606,7 +5477,7 @@
                 <a:lstStyle/>
                 <a:p>
                   <a:r>
-                    <a:rPr kumimoji="1" lang="zh-SG" altLang="en-US" b="1" dirty="0">
+                    <a:rPr kumimoji="1" lang="zh-SG" altLang="en-US" sz="2000" b="1" dirty="0">
                       <a:latin typeface="SimHei" panose="02010609060101010101" pitchFamily="49" charset="-122"/>
                       <a:ea typeface="SimHei" panose="02010609060101010101" pitchFamily="49" charset="-122"/>
                     </a:rPr>
@@ -5620,7 +5491,7 @@
                 <p:cNvPr id="79" name="组合 78">
                   <a:extLst>
                     <a:ext uri="{FF2B5EF4-FFF2-40B4-BE49-F238E27FC236}">
-                      <a16:creationId xmlns:a16="http://schemas.microsoft.com/office/drawing/2014/main" id="{0B5C0B00-65BD-8793-2269-45EFAD97A84D}"/>
+                      <a16:creationId xmlns:a16="http://schemas.microsoft.com/office/drawing/2014/main" id="{CAF4D7DE-608D-3862-9D95-DDB549B342BD}"/>
                     </a:ext>
                   </a:extLst>
                 </p:cNvPr>
@@ -5629,10 +5500,10 @@
               </p:nvGrpSpPr>
               <p:grpSpPr>
                 <a:xfrm>
-                  <a:off x="2003084" y="1974114"/>
-                  <a:ext cx="2520973" cy="878691"/>
-                  <a:chOff x="2003084" y="1974114"/>
-                  <a:chExt cx="2520973" cy="878691"/>
+                  <a:off x="1960906" y="1886623"/>
+                  <a:ext cx="2863977" cy="1141665"/>
+                  <a:chOff x="1960906" y="1886623"/>
+                  <a:chExt cx="2863977" cy="1141665"/>
                 </a:xfrm>
               </p:grpSpPr>
               <p:sp>
@@ -5640,7 +5511,7 @@
                   <p:cNvPr id="80" name="圆角矩形 79">
                     <a:extLst>
                       <a:ext uri="{FF2B5EF4-FFF2-40B4-BE49-F238E27FC236}">
-                        <a16:creationId xmlns:a16="http://schemas.microsoft.com/office/drawing/2014/main" id="{D501B2AF-3F3E-2101-ABEB-28C530037414}"/>
+                        <a16:creationId xmlns:a16="http://schemas.microsoft.com/office/drawing/2014/main" id="{325F4EE0-0889-FF52-5B93-084AD967578D}"/>
                       </a:ext>
                     </a:extLst>
                   </p:cNvPr>
@@ -5649,8 +5520,8 @@
                 </p:nvSpPr>
                 <p:spPr>
                   <a:xfrm>
-                    <a:off x="2044556" y="1974114"/>
-                    <a:ext cx="2479501" cy="878691"/>
+                    <a:off x="1960906" y="1886623"/>
+                    <a:ext cx="2688785" cy="878691"/>
                   </a:xfrm>
                   <a:prstGeom prst="roundRect">
                     <a:avLst/>
@@ -5692,7 +5563,7 @@
                   <p:cNvPr id="81" name="文本框 80">
                     <a:extLst>
                       <a:ext uri="{FF2B5EF4-FFF2-40B4-BE49-F238E27FC236}">
-                        <a16:creationId xmlns:a16="http://schemas.microsoft.com/office/drawing/2014/main" id="{24614FAD-1A27-C972-6550-98224C17F265}"/>
+                        <a16:creationId xmlns:a16="http://schemas.microsoft.com/office/drawing/2014/main" id="{58EEB0D5-738E-9FC1-76B0-8E258FC44420}"/>
                       </a:ext>
                     </a:extLst>
                   </p:cNvPr>
@@ -5701,8 +5572,8 @@
                 </p:nvSpPr>
                 <p:spPr>
                   <a:xfrm>
-                    <a:off x="2003084" y="2198288"/>
-                    <a:ext cx="1043183" cy="523220"/>
+                    <a:off x="1992264" y="2154518"/>
+                    <a:ext cx="1126651" cy="338554"/>
                   </a:xfrm>
                   <a:prstGeom prst="rect">
                     <a:avLst/>
@@ -5717,13 +5588,13 @@
                   <a:p>
                     <a:pPr algn="ctr"/>
                     <a:r>
-                      <a:rPr kumimoji="1" lang="zh-SG" altLang="en-US" sz="1400" b="1" dirty="0">
+                      <a:rPr kumimoji="1" lang="zh-SG" altLang="en-US" sz="1600" b="1" dirty="0">
                         <a:latin typeface="KaiTi" panose="02010609060101010101" pitchFamily="49" charset="-122"/>
                         <a:ea typeface="KaiTi" panose="02010609060101010101" pitchFamily="49" charset="-122"/>
                       </a:rPr>
                       <a:t>财富状态分析</a:t>
                     </a:r>
-                    <a:endParaRPr kumimoji="1" lang="en-US" altLang="zh-SG" sz="1400" dirty="0">
+                    <a:endParaRPr kumimoji="1" lang="en-US" altLang="zh-SG" sz="1600" dirty="0">
                       <a:latin typeface="KaiTi" panose="02010609060101010101" pitchFamily="49" charset="-122"/>
                       <a:ea typeface="KaiTi" panose="02010609060101010101" pitchFamily="49" charset="-122"/>
                     </a:endParaRPr>
@@ -5735,7 +5606,7 @@
                   <p:cNvPr id="82" name="文本框 81">
                     <a:extLst>
                       <a:ext uri="{FF2B5EF4-FFF2-40B4-BE49-F238E27FC236}">
-                        <a16:creationId xmlns:a16="http://schemas.microsoft.com/office/drawing/2014/main" id="{B8396B25-EA81-A1C7-6222-83626F4B4E3D}"/>
+                        <a16:creationId xmlns:a16="http://schemas.microsoft.com/office/drawing/2014/main" id="{DB6B9F82-B209-346B-E203-25112EDB548E}"/>
                       </a:ext>
                     </a:extLst>
                   </p:cNvPr>
@@ -5744,8 +5615,8 @@
                 </p:nvSpPr>
                 <p:spPr>
                   <a:xfrm>
-                    <a:off x="2852037" y="2134235"/>
-                    <a:ext cx="1654887" cy="646331"/>
+                    <a:off x="3037107" y="1951070"/>
+                    <a:ext cx="1787776" cy="1077218"/>
                   </a:xfrm>
                   <a:prstGeom prst="rect">
                     <a:avLst/>
@@ -5766,13 +5637,13 @@
                       <a:buChar char="•"/>
                     </a:pPr>
                     <a:r>
-                      <a:rPr kumimoji="1" lang="zh-SG" altLang="en-US" sz="1200" dirty="0">
+                      <a:rPr kumimoji="1" lang="zh-SG" altLang="en-US" sz="1600" dirty="0">
                         <a:latin typeface="KaiTi" panose="02010609060101010101" pitchFamily="49" charset="-122"/>
                         <a:ea typeface="KaiTi" panose="02010609060101010101" pitchFamily="49" charset="-122"/>
                       </a:rPr>
                       <a:t>分析两类投资者财富变化情况</a:t>
                     </a:r>
-                    <a:endParaRPr kumimoji="1" lang="en-US" altLang="zh-SG" sz="1200" dirty="0">
+                    <a:endParaRPr kumimoji="1" lang="en-US" altLang="zh-SG" sz="1600" dirty="0">
                       <a:latin typeface="KaiTi" panose="02010609060101010101" pitchFamily="49" charset="-122"/>
                       <a:ea typeface="KaiTi" panose="02010609060101010101" pitchFamily="49" charset="-122"/>
                     </a:endParaRPr>
@@ -5786,13 +5657,13 @@
                       <a:buChar char="•"/>
                     </a:pPr>
                     <a:r>
-                      <a:rPr kumimoji="1" lang="zh-SG" altLang="en-US" sz="1200" dirty="0">
+                      <a:rPr kumimoji="1" lang="zh-SG" altLang="en-US" sz="1600" dirty="0">
                         <a:latin typeface="KaiTi" panose="02010609060101010101" pitchFamily="49" charset="-122"/>
                         <a:ea typeface="KaiTi" panose="02010609060101010101" pitchFamily="49" charset="-122"/>
                       </a:rPr>
                       <a:t>分析财富不均情况</a:t>
                     </a:r>
-                    <a:endParaRPr kumimoji="1" lang="en-US" altLang="zh-SG" sz="1200" dirty="0">
+                    <a:endParaRPr kumimoji="1" lang="en-US" altLang="zh-SG" sz="1600" dirty="0">
                       <a:latin typeface="KaiTi" panose="02010609060101010101" pitchFamily="49" charset="-122"/>
                       <a:ea typeface="KaiTi" panose="02010609060101010101" pitchFamily="49" charset="-122"/>
                     </a:endParaRPr>
@@ -5806,7 +5677,7 @@
               <p:cNvPr id="73" name="圆角矩形 72">
                 <a:extLst>
                   <a:ext uri="{FF2B5EF4-FFF2-40B4-BE49-F238E27FC236}">
-                    <a16:creationId xmlns:a16="http://schemas.microsoft.com/office/drawing/2014/main" id="{C217CF04-C5F3-CFDD-41FE-48C7FCF52E6C}"/>
+                    <a16:creationId xmlns:a16="http://schemas.microsoft.com/office/drawing/2014/main" id="{1E836AC4-CA86-2A5D-57FD-BC83E5FD69CB}"/>
                   </a:ext>
                 </a:extLst>
               </p:cNvPr>
@@ -5815,8 +5686,8 @@
             </p:nvSpPr>
             <p:spPr>
               <a:xfrm>
-                <a:off x="3882225" y="5545266"/>
-                <a:ext cx="2479501" cy="878691"/>
+                <a:off x="3784877" y="5220369"/>
+                <a:ext cx="2688785" cy="878691"/>
               </a:xfrm>
               <a:prstGeom prst="roundRect">
                 <a:avLst/>
@@ -5858,7 +5729,7 @@
               <p:cNvPr id="74" name="文本框 73">
                 <a:extLst>
                   <a:ext uri="{FF2B5EF4-FFF2-40B4-BE49-F238E27FC236}">
-                    <a16:creationId xmlns:a16="http://schemas.microsoft.com/office/drawing/2014/main" id="{2C58393E-7A14-83F6-F15D-52600D23EB6A}"/>
+                    <a16:creationId xmlns:a16="http://schemas.microsoft.com/office/drawing/2014/main" id="{6CDE73F1-F6E9-AC65-9098-93B28678F4D5}"/>
                   </a:ext>
                 </a:extLst>
               </p:cNvPr>
@@ -5867,8 +5738,8 @@
             </p:nvSpPr>
             <p:spPr>
               <a:xfrm>
-                <a:off x="3815554" y="5768297"/>
-                <a:ext cx="1043184" cy="523220"/>
+                <a:off x="3827057" y="5490438"/>
+                <a:ext cx="1126650" cy="338554"/>
               </a:xfrm>
               <a:prstGeom prst="rect">
                 <a:avLst/>
@@ -5883,13 +5754,13 @@
               <a:p>
                 <a:pPr algn="ctr"/>
                 <a:r>
-                  <a:rPr kumimoji="1" lang="zh-SG" altLang="en-US" sz="1400" b="1" dirty="0">
+                  <a:rPr kumimoji="1" lang="zh-SG" altLang="en-US" sz="1600" b="1" dirty="0">
                     <a:latin typeface="KaiTi" panose="02010609060101010101" pitchFamily="49" charset="-122"/>
                     <a:ea typeface="KaiTi" panose="02010609060101010101" pitchFamily="49" charset="-122"/>
                   </a:rPr>
                   <a:t>市场状态分析</a:t>
                 </a:r>
-                <a:endParaRPr kumimoji="1" lang="en-US" altLang="zh-SG" sz="1400" dirty="0">
+                <a:endParaRPr kumimoji="1" lang="en-US" altLang="zh-SG" sz="1600" dirty="0">
                   <a:latin typeface="KaiTi" panose="02010609060101010101" pitchFamily="49" charset="-122"/>
                   <a:ea typeface="KaiTi" panose="02010609060101010101" pitchFamily="49" charset="-122"/>
                 </a:endParaRPr>
@@ -5902,7 +5773,7 @@
             <p:cNvPr id="71" name="文本框 70">
               <a:extLst>
                 <a:ext uri="{FF2B5EF4-FFF2-40B4-BE49-F238E27FC236}">
-                  <a16:creationId xmlns:a16="http://schemas.microsoft.com/office/drawing/2014/main" id="{F8E6FB8E-623A-8A72-ABD1-BEAF5C56F7EB}"/>
+                  <a16:creationId xmlns:a16="http://schemas.microsoft.com/office/drawing/2014/main" id="{2DD27FD1-24C4-BA6B-8EAC-4733B09EBD11}"/>
                 </a:ext>
               </a:extLst>
             </p:cNvPr>
@@ -5911,8 +5782,8 @@
           </p:nvSpPr>
           <p:spPr>
             <a:xfrm>
-              <a:off x="1823780" y="4109609"/>
-              <a:ext cx="1608122" cy="646331"/>
+              <a:off x="1952820" y="3638420"/>
+              <a:ext cx="1608122" cy="830997"/>
             </a:xfrm>
             <a:prstGeom prst="rect">
               <a:avLst/>
@@ -5933,27 +5804,27 @@
                 <a:buChar char="•"/>
               </a:pPr>
               <a:r>
-                <a:rPr kumimoji="1" lang="zh-SG" altLang="en-US" sz="1200" dirty="0">
+                <a:rPr kumimoji="1" lang="zh-SG" altLang="en-US" sz="1600" dirty="0">
                   <a:latin typeface="KaiTi" panose="02010609060101010101" pitchFamily="49" charset="-122"/>
                   <a:ea typeface="KaiTi" panose="02010609060101010101" pitchFamily="49" charset="-122"/>
                 </a:rPr>
                 <a:t>分析价格</a:t>
               </a:r>
               <a:r>
-                <a:rPr kumimoji="1" lang="en-US" altLang="zh-SG" sz="1200" dirty="0">
+                <a:rPr kumimoji="1" lang="en-US" altLang="zh-SG" sz="1600" dirty="0">
                   <a:latin typeface="KaiTi" panose="02010609060101010101" pitchFamily="49" charset="-122"/>
                   <a:ea typeface="KaiTi" panose="02010609060101010101" pitchFamily="49" charset="-122"/>
                 </a:rPr>
                 <a:t>,</a:t>
               </a:r>
               <a:r>
-                <a:rPr kumimoji="1" lang="zh-SG" altLang="en-US" sz="1200" dirty="0">
+                <a:rPr kumimoji="1" lang="zh-SG" altLang="en-US" sz="1600" dirty="0">
                   <a:latin typeface="KaiTi" panose="02010609060101010101" pitchFamily="49" charset="-122"/>
                   <a:ea typeface="KaiTi" panose="02010609060101010101" pitchFamily="49" charset="-122"/>
                 </a:rPr>
                 <a:t>波动率等基本指标</a:t>
               </a:r>
-              <a:endParaRPr kumimoji="1" lang="en-US" altLang="zh-SG" sz="1200" dirty="0">
+              <a:endParaRPr kumimoji="1" lang="en-US" altLang="zh-SG" sz="1600" dirty="0">
                 <a:latin typeface="KaiTi" panose="02010609060101010101" pitchFamily="49" charset="-122"/>
                 <a:ea typeface="KaiTi" panose="02010609060101010101" pitchFamily="49" charset="-122"/>
               </a:endParaRPr>
@@ -5967,13 +5838,13 @@
                 <a:buChar char="•"/>
               </a:pPr>
               <a:r>
-                <a:rPr kumimoji="1" lang="zh-SG" altLang="en-US" sz="1200" dirty="0">
+                <a:rPr kumimoji="1" lang="zh-SG" altLang="en-US" sz="1600" dirty="0">
                   <a:latin typeface="KaiTi" panose="02010609060101010101" pitchFamily="49" charset="-122"/>
                   <a:ea typeface="KaiTi" panose="02010609060101010101" pitchFamily="49" charset="-122"/>
                 </a:rPr>
                 <a:t>分析流动性指标</a:t>
               </a:r>
-              <a:endParaRPr kumimoji="1" lang="en-US" altLang="zh-SG" sz="1200" dirty="0">
+              <a:endParaRPr kumimoji="1" lang="en-US" altLang="zh-SG" sz="1600" dirty="0">
                 <a:latin typeface="KaiTi" panose="02010609060101010101" pitchFamily="49" charset="-122"/>
                 <a:ea typeface="KaiTi" panose="02010609060101010101" pitchFamily="49" charset="-122"/>
               </a:endParaRPr>
@@ -5986,7 +5857,7 @@
           <p:cNvPr id="92" name="文本框 91">
             <a:extLst>
               <a:ext uri="{FF2B5EF4-FFF2-40B4-BE49-F238E27FC236}">
-                <a16:creationId xmlns:a16="http://schemas.microsoft.com/office/drawing/2014/main" id="{B6AB07E5-FAE1-6CBB-0BB7-E41D83BB5866}"/>
+                <a16:creationId xmlns:a16="http://schemas.microsoft.com/office/drawing/2014/main" id="{B2EB95E8-A792-EEE1-3745-E0B943ADB57F}"/>
               </a:ext>
             </a:extLst>
           </p:cNvPr>
@@ -5995,8 +5866,8 @@
         </p:nvSpPr>
         <p:spPr>
           <a:xfrm>
-            <a:off x="10150495" y="3216070"/>
-            <a:ext cx="723275" cy="307777"/>
+            <a:off x="8132235" y="3432560"/>
+            <a:ext cx="851233" cy="338554"/>
           </a:xfrm>
           <a:prstGeom prst="rect">
             <a:avLst/>
@@ -6004,13 +5875,13 @@
           <a:noFill/>
         </p:spPr>
         <p:txBody>
-          <a:bodyPr wrap="none" rtlCol="0">
+          <a:bodyPr wrap="square" rtlCol="0">
             <a:spAutoFit/>
           </a:bodyPr>
           <a:lstStyle/>
           <a:p>
             <a:r>
-              <a:rPr kumimoji="1" lang="zh-SG" altLang="en-US" sz="1400" dirty="0">
+              <a:rPr kumimoji="1" lang="zh-SG" altLang="en-US" sz="1600" dirty="0">
                 <a:latin typeface="KaiTi" panose="02010609060101010101" pitchFamily="49" charset="-122"/>
                 <a:ea typeface="KaiTi" panose="02010609060101010101" pitchFamily="49" charset="-122"/>
               </a:rPr>
@@ -6024,26 +5895,24 @@
           <p:cNvPr id="96" name="肘形连接符 95">
             <a:extLst>
               <a:ext uri="{FF2B5EF4-FFF2-40B4-BE49-F238E27FC236}">
-                <a16:creationId xmlns:a16="http://schemas.microsoft.com/office/drawing/2014/main" id="{A1F6113F-0A89-51A3-72A6-5B8F8EC2CE44}"/>
+                <a16:creationId xmlns:a16="http://schemas.microsoft.com/office/drawing/2014/main" id="{86203DC5-5FC1-0E59-47AE-D9ADDA986990}"/>
               </a:ext>
             </a:extLst>
           </p:cNvPr>
           <p:cNvCxnSpPr>
             <a:cxnSpLocks/>
-            <a:stCxn id="30" idx="1"/>
+            <a:stCxn id="42" idx="2"/>
             <a:endCxn id="77" idx="1"/>
           </p:cNvCxnSpPr>
           <p:nvPr/>
         </p:nvCxnSpPr>
         <p:spPr>
-          <a:xfrm rot="10800000" flipV="1">
-            <a:off x="1879320" y="1753741"/>
-            <a:ext cx="811" cy="3391520"/>
+          <a:xfrm rot="16200000" flipH="1">
+            <a:off x="148563" y="3923321"/>
+            <a:ext cx="2272560" cy="560976"/>
           </a:xfrm>
-          <a:prstGeom prst="bentConnector3">
-            <a:avLst>
-              <a:gd name="adj1" fmla="val 55502836"/>
-            </a:avLst>
+          <a:prstGeom prst="bentConnector2">
+            <a:avLst/>
           </a:prstGeom>
           <a:ln w="31750">
             <a:solidFill>
@@ -6072,7 +5941,7 @@
           <p:cNvPr id="100" name="文本框 99">
             <a:extLst>
               <a:ext uri="{FF2B5EF4-FFF2-40B4-BE49-F238E27FC236}">
-                <a16:creationId xmlns:a16="http://schemas.microsoft.com/office/drawing/2014/main" id="{7BCF1255-E81A-35CE-7834-0AA5AD127CB8}"/>
+                <a16:creationId xmlns:a16="http://schemas.microsoft.com/office/drawing/2014/main" id="{237FB392-E820-E14B-1620-82B0B1900B42}"/>
               </a:ext>
             </a:extLst>
           </p:cNvPr>
@@ -6081,8 +5950,8 @@
         </p:nvSpPr>
         <p:spPr>
           <a:xfrm>
-            <a:off x="230729" y="3549138"/>
-            <a:ext cx="1261884" cy="307777"/>
+            <a:off x="1032342" y="3592900"/>
+            <a:ext cx="1415772" cy="338554"/>
           </a:xfrm>
           <a:prstGeom prst="rect">
             <a:avLst/>
@@ -6096,7 +5965,7 @@
           <a:lstStyle/>
           <a:p>
             <a:r>
-              <a:rPr kumimoji="1" lang="zh-SG" altLang="en-US" sz="1400" dirty="0">
+              <a:rPr kumimoji="1" lang="zh-SG" altLang="en-US" sz="1600" dirty="0">
                 <a:latin typeface="KaiTi" panose="02010609060101010101" pitchFamily="49" charset="-122"/>
                 <a:ea typeface="KaiTi" panose="02010609060101010101" pitchFamily="49" charset="-122"/>
               </a:rPr>
@@ -6110,7 +5979,7 @@
           <p:cNvPr id="36" name="组合 35">
             <a:extLst>
               <a:ext uri="{FF2B5EF4-FFF2-40B4-BE49-F238E27FC236}">
-                <a16:creationId xmlns:a16="http://schemas.microsoft.com/office/drawing/2014/main" id="{0A35819D-36B2-1F48-3627-CFEE71C32D72}"/>
+                <a16:creationId xmlns:a16="http://schemas.microsoft.com/office/drawing/2014/main" id="{B3C30ACA-FE48-4CBF-C345-BBA5E50805A8}"/>
               </a:ext>
             </a:extLst>
           </p:cNvPr>
@@ -6119,10 +5988,10 @@
         </p:nvGrpSpPr>
         <p:grpSpPr>
           <a:xfrm>
-            <a:off x="6029772" y="1050531"/>
-            <a:ext cx="1082348" cy="1714424"/>
-            <a:chOff x="6352578" y="3095952"/>
-            <a:chExt cx="1082348" cy="1714424"/>
+            <a:off x="4827755" y="1015312"/>
+            <a:ext cx="1210588" cy="2066900"/>
+            <a:chOff x="6340083" y="2938802"/>
+            <a:chExt cx="1210588" cy="1844667"/>
           </a:xfrm>
         </p:grpSpPr>
         <p:grpSp>
@@ -6130,7 +5999,7 @@
             <p:cNvPr id="106" name="组合 105">
               <a:extLst>
                 <a:ext uri="{FF2B5EF4-FFF2-40B4-BE49-F238E27FC236}">
-                  <a16:creationId xmlns:a16="http://schemas.microsoft.com/office/drawing/2014/main" id="{8FE43051-D056-D0AC-B0EA-6DCD9DA5673F}"/>
+                  <a16:creationId xmlns:a16="http://schemas.microsoft.com/office/drawing/2014/main" id="{B1006F3C-A978-86FF-7CED-466E5206F1EB}"/>
                 </a:ext>
               </a:extLst>
             </p:cNvPr>
@@ -6139,10 +6008,10 @@
           </p:nvGrpSpPr>
           <p:grpSpPr>
             <a:xfrm>
-              <a:off x="6352578" y="3698769"/>
-              <a:ext cx="1082348" cy="479207"/>
-              <a:chOff x="6266547" y="3671559"/>
-              <a:chExt cx="1082348" cy="479207"/>
+              <a:off x="6340083" y="3643681"/>
+              <a:ext cx="1210588" cy="452716"/>
+              <a:chOff x="6254052" y="3616471"/>
+              <a:chExt cx="1210588" cy="452716"/>
             </a:xfrm>
           </p:grpSpPr>
           <p:sp>
@@ -6150,7 +6019,7 @@
               <p:cNvPr id="104" name="圆角矩形 103">
                 <a:extLst>
                   <a:ext uri="{FF2B5EF4-FFF2-40B4-BE49-F238E27FC236}">
-                    <a16:creationId xmlns:a16="http://schemas.microsoft.com/office/drawing/2014/main" id="{D1058B07-25D4-4775-C2E7-3BEF50007914}"/>
+                    <a16:creationId xmlns:a16="http://schemas.microsoft.com/office/drawing/2014/main" id="{22236595-03BF-47EA-B7D1-61F6AB8743BF}"/>
                   </a:ext>
                 </a:extLst>
               </p:cNvPr>
@@ -6159,8 +6028,8 @@
             </p:nvSpPr>
             <p:spPr>
               <a:xfrm>
-                <a:off x="6299223" y="3671559"/>
-                <a:ext cx="993881" cy="479207"/>
+                <a:off x="6299478" y="3616471"/>
+                <a:ext cx="1129415" cy="452716"/>
               </a:xfrm>
               <a:prstGeom prst="roundRect">
                 <a:avLst/>
@@ -6188,7 +6057,7 @@
               <a:lstStyle/>
               <a:p>
                 <a:pPr algn="ctr"/>
-                <a:endParaRPr kumimoji="1" lang="zh-SG" altLang="en-US"/>
+                <a:endParaRPr kumimoji="1" lang="zh-SG" altLang="en-US" sz="2000"/>
               </a:p>
             </p:txBody>
           </p:sp>
@@ -6197,7 +6066,7 @@
               <p:cNvPr id="105" name="文本框 104">
                 <a:extLst>
                   <a:ext uri="{FF2B5EF4-FFF2-40B4-BE49-F238E27FC236}">
-                    <a16:creationId xmlns:a16="http://schemas.microsoft.com/office/drawing/2014/main" id="{30514ED7-4583-38E1-DDAD-FEF8AF763CD7}"/>
+                    <a16:creationId xmlns:a16="http://schemas.microsoft.com/office/drawing/2014/main" id="{C8AA6219-BC77-F037-75BD-F109341DCDFE}"/>
                   </a:ext>
                 </a:extLst>
               </p:cNvPr>
@@ -6206,8 +6075,8 @@
             </p:nvSpPr>
             <p:spPr>
               <a:xfrm>
-                <a:off x="6266547" y="3759518"/>
-                <a:ext cx="1082348" cy="307777"/>
+                <a:off x="6254052" y="3678355"/>
+                <a:ext cx="1210588" cy="338554"/>
               </a:xfrm>
               <a:prstGeom prst="rect">
                 <a:avLst/>
@@ -6221,7 +6090,7 @@
               <a:lstStyle/>
               <a:p>
                 <a:r>
-                  <a:rPr kumimoji="1" lang="zh-SG" altLang="en-US" sz="1400" dirty="0">
+                  <a:rPr kumimoji="1" lang="zh-SG" altLang="en-US" sz="1600" dirty="0">
                     <a:latin typeface="SimHei" panose="02010609060101010101" pitchFamily="49" charset="-122"/>
                     <a:ea typeface="SimHei" panose="02010609060101010101" pitchFamily="49" charset="-122"/>
                   </a:rPr>
@@ -6236,7 +6105,7 @@
             <p:cNvPr id="107" name="上箭头 106">
               <a:extLst>
                 <a:ext uri="{FF2B5EF4-FFF2-40B4-BE49-F238E27FC236}">
-                  <a16:creationId xmlns:a16="http://schemas.microsoft.com/office/drawing/2014/main" id="{20C8FA0B-E687-36DC-29B1-E45DF1F85AB4}"/>
+                  <a16:creationId xmlns:a16="http://schemas.microsoft.com/office/drawing/2014/main" id="{BFA13D13-4C84-BC43-7B43-557EB6D562E1}"/>
                 </a:ext>
               </a:extLst>
             </p:cNvPr>
@@ -6245,8 +6114,8 @@
           </p:nvSpPr>
           <p:spPr>
             <a:xfrm>
-              <a:off x="6822572" y="3095952"/>
-              <a:ext cx="133117" cy="526221"/>
+              <a:off x="6878821" y="2938802"/>
+              <a:ext cx="151476" cy="650834"/>
             </a:xfrm>
             <a:prstGeom prst="upArrow">
               <a:avLst/>
@@ -6280,7 +6149,7 @@
             <a:lstStyle/>
             <a:p>
               <a:pPr algn="ctr"/>
-              <a:endParaRPr kumimoji="1" lang="zh-SG" altLang="en-US"/>
+              <a:endParaRPr kumimoji="1" lang="zh-SG" altLang="en-US" sz="2000"/>
             </a:p>
           </p:txBody>
         </p:sp>
@@ -6289,7 +6158,7 @@
             <p:cNvPr id="108" name="下箭头 107">
               <a:extLst>
                 <a:ext uri="{FF2B5EF4-FFF2-40B4-BE49-F238E27FC236}">
-                  <a16:creationId xmlns:a16="http://schemas.microsoft.com/office/drawing/2014/main" id="{D4C8CA67-A447-6BC7-98EC-228D23CE59EA}"/>
+                  <a16:creationId xmlns:a16="http://schemas.microsoft.com/office/drawing/2014/main" id="{002CB5E0-1B73-5F55-9D4F-4B8206550CC4}"/>
                 </a:ext>
               </a:extLst>
             </p:cNvPr>
@@ -6298,8 +6167,8 @@
           </p:nvSpPr>
           <p:spPr>
             <a:xfrm>
-              <a:off x="6812530" y="4276956"/>
-              <a:ext cx="123077" cy="533420"/>
+              <a:off x="6883839" y="4184924"/>
+              <a:ext cx="146458" cy="598545"/>
             </a:xfrm>
             <a:prstGeom prst="downArrow">
               <a:avLst/>
@@ -6333,17 +6202,17 @@
             <a:lstStyle/>
             <a:p>
               <a:pPr algn="ctr"/>
-              <a:endParaRPr kumimoji="1" lang="zh-SG" altLang="en-US" dirty="0"/>
+              <a:endParaRPr kumimoji="1" lang="zh-SG" altLang="en-US" sz="2000" dirty="0"/>
             </a:p>
           </p:txBody>
         </p:sp>
       </p:grpSp>
       <p:sp>
         <p:nvSpPr>
-          <p:cNvPr id="10" name="右弧形箭头 9">
-            <a:extLst>
-              <a:ext uri="{FF2B5EF4-FFF2-40B4-BE49-F238E27FC236}">
-                <a16:creationId xmlns:a16="http://schemas.microsoft.com/office/drawing/2014/main" id="{191BE5C5-F1C5-03F3-9946-6912059BBC01}"/>
+          <p:cNvPr id="117" name="任意多边形: 形状 116">
+            <a:extLst>
+              <a:ext uri="{FF2B5EF4-FFF2-40B4-BE49-F238E27FC236}">
+                <a16:creationId xmlns:a16="http://schemas.microsoft.com/office/drawing/2014/main" id="{6485EAC2-DCE4-2F44-B626-D15AC4BABEA7}"/>
               </a:ext>
             </a:extLst>
           </p:cNvPr>
@@ -6351,20 +6220,145 @@
           <p:nvPr/>
         </p:nvSpPr>
         <p:spPr>
-          <a:xfrm>
-            <a:off x="5350699" y="1576752"/>
-            <a:ext cx="318047" cy="782847"/>
+          <a:xfrm rot="15952866">
+            <a:off x="5918859" y="1654419"/>
+            <a:ext cx="1122882" cy="822240"/>
           </a:xfrm>
-          <a:prstGeom prst="curvedRightArrow">
+          <a:custGeom>
             <a:avLst/>
-          </a:prstGeom>
-          <a:solidFill>
-            <a:schemeClr val="tx2">
-              <a:lumMod val="50000"/>
-              <a:lumOff val="50000"/>
-              <a:alpha val="70000"/>
-            </a:schemeClr>
-          </a:solidFill>
+            <a:gdLst>
+              <a:gd name="connsiteX0" fmla="*/ 0 w 1145500"/>
+              <a:gd name="connsiteY0" fmla="*/ 232554 h 731612"/>
+              <a:gd name="connsiteX1" fmla="*/ 85055 w 1145500"/>
+              <a:gd name="connsiteY1" fmla="*/ 0 h 731612"/>
+              <a:gd name="connsiteX2" fmla="*/ 170110 w 1145500"/>
+              <a:gd name="connsiteY2" fmla="*/ 232554 h 731612"/>
+              <a:gd name="connsiteX3" fmla="*/ 124038 w 1145500"/>
+              <a:gd name="connsiteY3" fmla="*/ 232554 h 731612"/>
+              <a:gd name="connsiteX4" fmla="*/ 132448 w 1145500"/>
+              <a:gd name="connsiteY4" fmla="*/ 253827 h 731612"/>
+              <a:gd name="connsiteX5" fmla="*/ 571448 w 1145500"/>
+              <a:gd name="connsiteY5" fmla="*/ 552007 h 731612"/>
+              <a:gd name="connsiteX6" fmla="*/ 1141082 w 1145500"/>
+              <a:gd name="connsiteY6" fmla="*/ 178658 h 731612"/>
+              <a:gd name="connsiteX7" fmla="*/ 1144645 w 1145500"/>
+              <a:gd name="connsiteY7" fmla="*/ 160686 h 731612"/>
+              <a:gd name="connsiteX8" fmla="*/ 1145500 w 1145500"/>
+              <a:gd name="connsiteY8" fmla="*/ 250121 h 731612"/>
+              <a:gd name="connsiteX9" fmla="*/ 554907 w 1145500"/>
+              <a:gd name="connsiteY9" fmla="*/ 729171 h 731612"/>
+              <a:gd name="connsiteX10" fmla="*/ 64230 w 1145500"/>
+              <a:gd name="connsiteY10" fmla="*/ 256828 h 731612"/>
+              <a:gd name="connsiteX11" fmla="*/ 63999 w 1145500"/>
+              <a:gd name="connsiteY11" fmla="*/ 232554 h 731612"/>
+            </a:gdLst>
+            <a:ahLst/>
+            <a:cxnLst>
+              <a:cxn ang="0">
+                <a:pos x="connsiteX0" y="connsiteY0"/>
+              </a:cxn>
+              <a:cxn ang="0">
+                <a:pos x="connsiteX1" y="connsiteY1"/>
+              </a:cxn>
+              <a:cxn ang="0">
+                <a:pos x="connsiteX2" y="connsiteY2"/>
+              </a:cxn>
+              <a:cxn ang="0">
+                <a:pos x="connsiteX3" y="connsiteY3"/>
+              </a:cxn>
+              <a:cxn ang="0">
+                <a:pos x="connsiteX4" y="connsiteY4"/>
+              </a:cxn>
+              <a:cxn ang="0">
+                <a:pos x="connsiteX5" y="connsiteY5"/>
+              </a:cxn>
+              <a:cxn ang="0">
+                <a:pos x="connsiteX6" y="connsiteY6"/>
+              </a:cxn>
+              <a:cxn ang="0">
+                <a:pos x="connsiteX7" y="connsiteY7"/>
+              </a:cxn>
+              <a:cxn ang="0">
+                <a:pos x="connsiteX8" y="connsiteY8"/>
+              </a:cxn>
+              <a:cxn ang="0">
+                <a:pos x="connsiteX9" y="connsiteY9"/>
+              </a:cxn>
+              <a:cxn ang="0">
+                <a:pos x="connsiteX10" y="connsiteY10"/>
+              </a:cxn>
+              <a:cxn ang="0">
+                <a:pos x="connsiteX11" y="connsiteY11"/>
+              </a:cxn>
+            </a:cxnLst>
+            <a:rect l="l" t="t" r="r" b="b"/>
+            <a:pathLst>
+              <a:path w="1145500" h="731612">
+                <a:moveTo>
+                  <a:pt x="0" y="232554"/>
+                </a:moveTo>
+                <a:lnTo>
+                  <a:pt x="85055" y="0"/>
+                </a:lnTo>
+                <a:lnTo>
+                  <a:pt x="170110" y="232554"/>
+                </a:lnTo>
+                <a:lnTo>
+                  <a:pt x="124038" y="232554"/>
+                </a:lnTo>
+                <a:lnTo>
+                  <a:pt x="132448" y="253827"/>
+                </a:lnTo>
+                <a:cubicBezTo>
+                  <a:pt x="213087" y="415549"/>
+                  <a:pt x="375316" y="533695"/>
+                  <a:pt x="571448" y="552007"/>
+                </a:cubicBezTo>
+                <a:cubicBezTo>
+                  <a:pt x="832958" y="576422"/>
+                  <a:pt x="1068091" y="415264"/>
+                  <a:pt x="1141082" y="178658"/>
+                </a:cubicBezTo>
+                <a:lnTo>
+                  <a:pt x="1144645" y="160686"/>
+                </a:lnTo>
+                <a:lnTo>
+                  <a:pt x="1145500" y="250121"/>
+                </a:lnTo>
+                <a:cubicBezTo>
+                  <a:pt x="1118193" y="542597"/>
+                  <a:pt x="853775" y="757075"/>
+                  <a:pt x="554907" y="729171"/>
+                </a:cubicBezTo>
+                <a:cubicBezTo>
+                  <a:pt x="293398" y="704756"/>
+                  <a:pt x="92160" y="502856"/>
+                  <a:pt x="64230" y="256828"/>
+                </a:cubicBezTo>
+                <a:lnTo>
+                  <a:pt x="63999" y="232554"/>
+                </a:lnTo>
+                <a:close/>
+              </a:path>
+            </a:pathLst>
+          </a:custGeom>
+          <a:gradFill>
+            <a:gsLst>
+              <a:gs pos="96000">
+                <a:schemeClr val="bg1"/>
+              </a:gs>
+              <a:gs pos="30000">
+                <a:schemeClr val="tx2">
+                  <a:lumMod val="50000"/>
+                  <a:lumOff val="50000"/>
+                </a:schemeClr>
+              </a:gs>
+            </a:gsLst>
+            <a:lin ang="300000" scaled="0"/>
+          </a:gradFill>
+          <a:ln>
+            <a:noFill/>
+          </a:ln>
         </p:spPr>
         <p:style>
           <a:lnRef idx="2">
@@ -6383,20 +6377,22 @@
           </a:fontRef>
         </p:style>
         <p:txBody>
-          <a:bodyPr rtlCol="0" anchor="ctr"/>
+          <a:bodyPr wrap="square" rtlCol="0" anchor="ctr">
+            <a:noAutofit/>
+          </a:bodyPr>
           <a:lstStyle/>
           <a:p>
             <a:pPr algn="ctr"/>
-            <a:endParaRPr kumimoji="1" lang="zh-SG" altLang="en-US"/>
-          </a:p>
-        </p:txBody>
-      </p:sp>
-      <p:sp>
-        <p:nvSpPr>
-          <p:cNvPr id="33" name="右弧形箭头 32">
-            <a:extLst>
-              <a:ext uri="{FF2B5EF4-FFF2-40B4-BE49-F238E27FC236}">
-                <a16:creationId xmlns:a16="http://schemas.microsoft.com/office/drawing/2014/main" id="{74E22A9E-B265-98A7-344E-E3CD8E953FFB}"/>
+            <a:endParaRPr lang="zh-CN" altLang="en-US"/>
+          </a:p>
+        </p:txBody>
+      </p:sp>
+      <p:sp>
+        <p:nvSpPr>
+          <p:cNvPr id="118" name="任意多边形: 形状 117">
+            <a:extLst>
+              <a:ext uri="{FF2B5EF4-FFF2-40B4-BE49-F238E27FC236}">
+                <a16:creationId xmlns:a16="http://schemas.microsoft.com/office/drawing/2014/main" id="{CD1CB830-C9BC-E179-14E8-F9F086DE6C3F}"/>
               </a:ext>
             </a:extLst>
           </p:cNvPr>
@@ -6404,20 +6400,145 @@
           <p:nvPr/>
         </p:nvSpPr>
         <p:spPr>
-          <a:xfrm rot="10800000">
-            <a:off x="7505822" y="1584762"/>
-            <a:ext cx="318047" cy="782847"/>
+          <a:xfrm rot="5166662">
+            <a:off x="3712147" y="1687023"/>
+            <a:ext cx="1122882" cy="822240"/>
           </a:xfrm>
-          <a:prstGeom prst="curvedRightArrow">
+          <a:custGeom>
             <a:avLst/>
-          </a:prstGeom>
-          <a:solidFill>
-            <a:schemeClr val="tx2">
-              <a:lumMod val="50000"/>
-              <a:lumOff val="50000"/>
-              <a:alpha val="70000"/>
-            </a:schemeClr>
-          </a:solidFill>
+            <a:gdLst>
+              <a:gd name="connsiteX0" fmla="*/ 0 w 1145500"/>
+              <a:gd name="connsiteY0" fmla="*/ 232554 h 731612"/>
+              <a:gd name="connsiteX1" fmla="*/ 85055 w 1145500"/>
+              <a:gd name="connsiteY1" fmla="*/ 0 h 731612"/>
+              <a:gd name="connsiteX2" fmla="*/ 170110 w 1145500"/>
+              <a:gd name="connsiteY2" fmla="*/ 232554 h 731612"/>
+              <a:gd name="connsiteX3" fmla="*/ 124038 w 1145500"/>
+              <a:gd name="connsiteY3" fmla="*/ 232554 h 731612"/>
+              <a:gd name="connsiteX4" fmla="*/ 132448 w 1145500"/>
+              <a:gd name="connsiteY4" fmla="*/ 253827 h 731612"/>
+              <a:gd name="connsiteX5" fmla="*/ 571448 w 1145500"/>
+              <a:gd name="connsiteY5" fmla="*/ 552007 h 731612"/>
+              <a:gd name="connsiteX6" fmla="*/ 1141082 w 1145500"/>
+              <a:gd name="connsiteY6" fmla="*/ 178658 h 731612"/>
+              <a:gd name="connsiteX7" fmla="*/ 1144645 w 1145500"/>
+              <a:gd name="connsiteY7" fmla="*/ 160686 h 731612"/>
+              <a:gd name="connsiteX8" fmla="*/ 1145500 w 1145500"/>
+              <a:gd name="connsiteY8" fmla="*/ 250121 h 731612"/>
+              <a:gd name="connsiteX9" fmla="*/ 554907 w 1145500"/>
+              <a:gd name="connsiteY9" fmla="*/ 729171 h 731612"/>
+              <a:gd name="connsiteX10" fmla="*/ 64230 w 1145500"/>
+              <a:gd name="connsiteY10" fmla="*/ 256828 h 731612"/>
+              <a:gd name="connsiteX11" fmla="*/ 63999 w 1145500"/>
+              <a:gd name="connsiteY11" fmla="*/ 232554 h 731612"/>
+            </a:gdLst>
+            <a:ahLst/>
+            <a:cxnLst>
+              <a:cxn ang="0">
+                <a:pos x="connsiteX0" y="connsiteY0"/>
+              </a:cxn>
+              <a:cxn ang="0">
+                <a:pos x="connsiteX1" y="connsiteY1"/>
+              </a:cxn>
+              <a:cxn ang="0">
+                <a:pos x="connsiteX2" y="connsiteY2"/>
+              </a:cxn>
+              <a:cxn ang="0">
+                <a:pos x="connsiteX3" y="connsiteY3"/>
+              </a:cxn>
+              <a:cxn ang="0">
+                <a:pos x="connsiteX4" y="connsiteY4"/>
+              </a:cxn>
+              <a:cxn ang="0">
+                <a:pos x="connsiteX5" y="connsiteY5"/>
+              </a:cxn>
+              <a:cxn ang="0">
+                <a:pos x="connsiteX6" y="connsiteY6"/>
+              </a:cxn>
+              <a:cxn ang="0">
+                <a:pos x="connsiteX7" y="connsiteY7"/>
+              </a:cxn>
+              <a:cxn ang="0">
+                <a:pos x="connsiteX8" y="connsiteY8"/>
+              </a:cxn>
+              <a:cxn ang="0">
+                <a:pos x="connsiteX9" y="connsiteY9"/>
+              </a:cxn>
+              <a:cxn ang="0">
+                <a:pos x="connsiteX10" y="connsiteY10"/>
+              </a:cxn>
+              <a:cxn ang="0">
+                <a:pos x="connsiteX11" y="connsiteY11"/>
+              </a:cxn>
+            </a:cxnLst>
+            <a:rect l="l" t="t" r="r" b="b"/>
+            <a:pathLst>
+              <a:path w="1145500" h="731612">
+                <a:moveTo>
+                  <a:pt x="0" y="232554"/>
+                </a:moveTo>
+                <a:lnTo>
+                  <a:pt x="85055" y="0"/>
+                </a:lnTo>
+                <a:lnTo>
+                  <a:pt x="170110" y="232554"/>
+                </a:lnTo>
+                <a:lnTo>
+                  <a:pt x="124038" y="232554"/>
+                </a:lnTo>
+                <a:lnTo>
+                  <a:pt x="132448" y="253827"/>
+                </a:lnTo>
+                <a:cubicBezTo>
+                  <a:pt x="213087" y="415549"/>
+                  <a:pt x="375316" y="533695"/>
+                  <a:pt x="571448" y="552007"/>
+                </a:cubicBezTo>
+                <a:cubicBezTo>
+                  <a:pt x="832958" y="576422"/>
+                  <a:pt x="1068091" y="415264"/>
+                  <a:pt x="1141082" y="178658"/>
+                </a:cubicBezTo>
+                <a:lnTo>
+                  <a:pt x="1144645" y="160686"/>
+                </a:lnTo>
+                <a:lnTo>
+                  <a:pt x="1145500" y="250121"/>
+                </a:lnTo>
+                <a:cubicBezTo>
+                  <a:pt x="1118193" y="542597"/>
+                  <a:pt x="853775" y="757075"/>
+                  <a:pt x="554907" y="729171"/>
+                </a:cubicBezTo>
+                <a:cubicBezTo>
+                  <a:pt x="293398" y="704756"/>
+                  <a:pt x="92160" y="502856"/>
+                  <a:pt x="64230" y="256828"/>
+                </a:cubicBezTo>
+                <a:lnTo>
+                  <a:pt x="63999" y="232554"/>
+                </a:lnTo>
+                <a:close/>
+              </a:path>
+            </a:pathLst>
+          </a:custGeom>
+          <a:gradFill>
+            <a:gsLst>
+              <a:gs pos="96000">
+                <a:schemeClr val="bg1"/>
+              </a:gs>
+              <a:gs pos="30000">
+                <a:schemeClr val="tx2">
+                  <a:lumMod val="50000"/>
+                  <a:lumOff val="50000"/>
+                </a:schemeClr>
+              </a:gs>
+            </a:gsLst>
+            <a:lin ang="300000" scaled="0"/>
+          </a:gradFill>
+          <a:ln>
+            <a:noFill/>
+          </a:ln>
         </p:spPr>
         <p:style>
           <a:lnRef idx="2">
@@ -6436,18 +6557,119 @@
           </a:fontRef>
         </p:style>
         <p:txBody>
+          <a:bodyPr wrap="square" rtlCol="0" anchor="ctr">
+            <a:noAutofit/>
+          </a:bodyPr>
+          <a:lstStyle/>
+          <a:p>
+            <a:pPr algn="ctr"/>
+            <a:endParaRPr lang="zh-CN" altLang="en-US"/>
+          </a:p>
+        </p:txBody>
+      </p:sp>
+      <p:cxnSp>
+        <p:nvCxnSpPr>
+          <p:cNvPr id="3" name="连接符: 肘形 2">
+            <a:extLst>
+              <a:ext uri="{FF2B5EF4-FFF2-40B4-BE49-F238E27FC236}">
+                <a16:creationId xmlns:a16="http://schemas.microsoft.com/office/drawing/2014/main" id="{81D24498-3009-D7C8-0769-E99A9A8CEBF2}"/>
+              </a:ext>
+            </a:extLst>
+          </p:cNvPr>
+          <p:cNvCxnSpPr>
+            <a:cxnSpLocks/>
+            <a:stCxn id="5" idx="0"/>
+            <a:endCxn id="62" idx="2"/>
+          </p:cNvCxnSpPr>
+          <p:nvPr/>
+        </p:nvCxnSpPr>
+        <p:spPr>
+          <a:xfrm rot="16200000" flipV="1">
+            <a:off x="8148492" y="3184067"/>
+            <a:ext cx="1282459" cy="387495"/>
+          </a:xfrm>
+          <a:prstGeom prst="bentConnector3">
+            <a:avLst/>
+          </a:prstGeom>
+          <a:ln w="31750">
+            <a:solidFill>
+              <a:schemeClr val="accent2"/>
+            </a:solidFill>
+            <a:tailEnd type="triangle"/>
+          </a:ln>
+        </p:spPr>
+        <p:style>
+          <a:lnRef idx="2">
+            <a:schemeClr val="accent1"/>
+          </a:lnRef>
+          <a:fillRef idx="0">
+            <a:schemeClr val="accent1"/>
+          </a:fillRef>
+          <a:effectRef idx="1">
+            <a:schemeClr val="accent1"/>
+          </a:effectRef>
+          <a:fontRef idx="minor">
+            <a:schemeClr val="tx1"/>
+          </a:fontRef>
+        </p:style>
+      </p:cxnSp>
+      <p:sp>
+        <p:nvSpPr>
+          <p:cNvPr id="30" name="矩形: 圆角 29">
+            <a:extLst>
+              <a:ext uri="{FF2B5EF4-FFF2-40B4-BE49-F238E27FC236}">
+                <a16:creationId xmlns:a16="http://schemas.microsoft.com/office/drawing/2014/main" id="{72D24556-C88A-58D1-4A6E-D2CBD9501B6D}"/>
+              </a:ext>
+            </a:extLst>
+          </p:cNvPr>
+          <p:cNvSpPr/>
+          <p:nvPr/>
+        </p:nvSpPr>
+        <p:spPr>
+          <a:xfrm>
+            <a:off x="73982" y="67679"/>
+            <a:ext cx="12044038" cy="6722642"/>
+          </a:xfrm>
+          <a:prstGeom prst="roundRect">
+            <a:avLst/>
+          </a:prstGeom>
+          <a:noFill/>
+          <a:ln w="28575">
+            <a:solidFill>
+              <a:srgbClr val="FFC000"/>
+            </a:solidFill>
+            <a:prstDash val="sysDash"/>
+          </a:ln>
+        </p:spPr>
+        <p:style>
+          <a:lnRef idx="2">
+            <a:schemeClr val="accent1">
+              <a:shade val="15000"/>
+            </a:schemeClr>
+          </a:lnRef>
+          <a:fillRef idx="1">
+            <a:schemeClr val="accent1"/>
+          </a:fillRef>
+          <a:effectRef idx="0">
+            <a:schemeClr val="accent1"/>
+          </a:effectRef>
+          <a:fontRef idx="minor">
+            <a:schemeClr val="lt1"/>
+          </a:fontRef>
+        </p:style>
+        <p:txBody>
           <a:bodyPr rtlCol="0" anchor="ctr"/>
           <a:lstStyle/>
           <a:p>
             <a:pPr algn="ctr"/>
-            <a:endParaRPr kumimoji="1" lang="zh-SG" altLang="en-US"/>
+            <a:endParaRPr lang="zh-CN" altLang="en-US"/>
           </a:p>
         </p:txBody>
       </p:sp>
     </p:spTree>
     <p:extLst>
       <p:ext uri="{BB962C8B-B14F-4D97-AF65-F5344CB8AC3E}">
-        <p14:creationId xmlns:p14="http://schemas.microsoft.com/office/powerpoint/2010/main" val="1787745764"/>
+        <p14:creationId xmlns:p14="http://schemas.microsoft.com/office/powerpoint/2010/main" val="1814131731"/>
       </p:ext>
     </p:extLst>
   </p:cSld>
